--- a/Lectures/Lec4/Lec4.pptx
+++ b/Lectures/Lec4/Lec4.pptx
@@ -24,21 +24,21 @@
     <p:sldId id="307" r:id="rId12"/>
     <p:sldId id="308" r:id="rId13"/>
     <p:sldId id="274" r:id="rId14"/>
-    <p:sldId id="309" r:id="rId15"/>
-    <p:sldId id="310" r:id="rId16"/>
-    <p:sldId id="311" r:id="rId17"/>
-    <p:sldId id="312" r:id="rId18"/>
-    <p:sldId id="313" r:id="rId19"/>
-    <p:sldId id="314" r:id="rId20"/>
-    <p:sldId id="315" r:id="rId21"/>
-    <p:sldId id="316" r:id="rId22"/>
-    <p:sldId id="317" r:id="rId23"/>
-    <p:sldId id="318" r:id="rId24"/>
-    <p:sldId id="319" r:id="rId25"/>
-    <p:sldId id="320" r:id="rId26"/>
-    <p:sldId id="323" r:id="rId27"/>
-    <p:sldId id="322" r:id="rId28"/>
-    <p:sldId id="324" r:id="rId29"/>
+    <p:sldId id="356" r:id="rId15"/>
+    <p:sldId id="309" r:id="rId16"/>
+    <p:sldId id="310" r:id="rId17"/>
+    <p:sldId id="311" r:id="rId18"/>
+    <p:sldId id="312" r:id="rId19"/>
+    <p:sldId id="313" r:id="rId20"/>
+    <p:sldId id="314" r:id="rId21"/>
+    <p:sldId id="315" r:id="rId22"/>
+    <p:sldId id="316" r:id="rId23"/>
+    <p:sldId id="317" r:id="rId24"/>
+    <p:sldId id="318" r:id="rId25"/>
+    <p:sldId id="319" r:id="rId26"/>
+    <p:sldId id="320" r:id="rId27"/>
+    <p:sldId id="323" r:id="rId28"/>
+    <p:sldId id="322" r:id="rId29"/>
     <p:sldId id="325" r:id="rId30"/>
     <p:sldId id="326" r:id="rId31"/>
     <p:sldId id="327" r:id="rId32"/>
@@ -294,7 +294,7 @@
           <a:p>
             <a:fld id="{15E7E210-172D-4ABE-8DAE-3CF56EC65FFE}" type="datetimeFigureOut">
               <a:rPr lang="en-US" smtClean="0"/>
-              <a:t>1/16/23</a:t>
+              <a:t>1/18/23</a:t>
             </a:fld>
             <a:endParaRPr lang="en-US"/>
           </a:p>
@@ -459,7 +459,7 @@
           <a:p>
             <a:fld id="{385B10A9-A767-4042-A06F-67B5283D520D}" type="datetimeFigureOut">
               <a:rPr lang="en-US" smtClean="0"/>
-              <a:t>1/16/23</a:t>
+              <a:t>1/18/23</a:t>
             </a:fld>
             <a:endParaRPr lang="en-US"/>
           </a:p>
@@ -1127,7 +1127,7 @@
           <a:p>
             <a:fld id="{CBC99354-90B8-4A26-9167-04629BAE14F6}" type="slidenum">
               <a:rPr lang="en-US" smtClean="0"/>
-              <a:t>14</a:t>
+              <a:t>15</a:t>
             </a:fld>
             <a:endParaRPr lang="en-US"/>
           </a:p>
@@ -1211,7 +1211,7 @@
           <a:p>
             <a:fld id="{CBC99354-90B8-4A26-9167-04629BAE14F6}" type="slidenum">
               <a:rPr lang="en-US" smtClean="0"/>
-              <a:t>15</a:t>
+              <a:t>16</a:t>
             </a:fld>
             <a:endParaRPr lang="en-US"/>
           </a:p>
@@ -1295,7 +1295,7 @@
           <a:p>
             <a:fld id="{CBC99354-90B8-4A26-9167-04629BAE14F6}" type="slidenum">
               <a:rPr lang="en-US" smtClean="0"/>
-              <a:t>16</a:t>
+              <a:t>17</a:t>
             </a:fld>
             <a:endParaRPr lang="en-US"/>
           </a:p>
@@ -1379,7 +1379,7 @@
           <a:p>
             <a:fld id="{CBC99354-90B8-4A26-9167-04629BAE14F6}" type="slidenum">
               <a:rPr lang="en-US" smtClean="0"/>
-              <a:t>17</a:t>
+              <a:t>18</a:t>
             </a:fld>
             <a:endParaRPr lang="en-US"/>
           </a:p>
@@ -1463,7 +1463,7 @@
           <a:p>
             <a:fld id="{CBC99354-90B8-4A26-9167-04629BAE14F6}" type="slidenum">
               <a:rPr lang="en-US" smtClean="0"/>
-              <a:t>18</a:t>
+              <a:t>19</a:t>
             </a:fld>
             <a:endParaRPr lang="en-US"/>
           </a:p>
@@ -1547,7 +1547,7 @@
           <a:p>
             <a:fld id="{CBC99354-90B8-4A26-9167-04629BAE14F6}" type="slidenum">
               <a:rPr lang="en-US" smtClean="0"/>
-              <a:t>19</a:t>
+              <a:t>20</a:t>
             </a:fld>
             <a:endParaRPr lang="en-US"/>
           </a:p>
@@ -1631,7 +1631,7 @@
           <a:p>
             <a:fld id="{CBC99354-90B8-4A26-9167-04629BAE14F6}" type="slidenum">
               <a:rPr lang="en-US" smtClean="0"/>
-              <a:t>20</a:t>
+              <a:t>21</a:t>
             </a:fld>
             <a:endParaRPr lang="en-US"/>
           </a:p>
@@ -1799,7 +1799,7 @@
           <a:p>
             <a:fld id="{CBC99354-90B8-4A26-9167-04629BAE14F6}" type="slidenum">
               <a:rPr lang="en-US" smtClean="0"/>
-              <a:t>21</a:t>
+              <a:t>22</a:t>
             </a:fld>
             <a:endParaRPr lang="en-US"/>
           </a:p>
@@ -1883,7 +1883,7 @@
           <a:p>
             <a:fld id="{CBC99354-90B8-4A26-9167-04629BAE14F6}" type="slidenum">
               <a:rPr lang="en-US" smtClean="0"/>
-              <a:t>22</a:t>
+              <a:t>23</a:t>
             </a:fld>
             <a:endParaRPr lang="en-US"/>
           </a:p>
@@ -1967,7 +1967,7 @@
           <a:p>
             <a:fld id="{CBC99354-90B8-4A26-9167-04629BAE14F6}" type="slidenum">
               <a:rPr lang="en-US" smtClean="0"/>
-              <a:t>23</a:t>
+              <a:t>24</a:t>
             </a:fld>
             <a:endParaRPr lang="en-US"/>
           </a:p>
@@ -2051,7 +2051,7 @@
           <a:p>
             <a:fld id="{CBC99354-90B8-4A26-9167-04629BAE14F6}" type="slidenum">
               <a:rPr lang="en-US" smtClean="0"/>
-              <a:t>24</a:t>
+              <a:t>25</a:t>
             </a:fld>
             <a:endParaRPr lang="en-US"/>
           </a:p>
@@ -2135,7 +2135,7 @@
           <a:p>
             <a:fld id="{CBC99354-90B8-4A26-9167-04629BAE14F6}" type="slidenum">
               <a:rPr lang="en-US" smtClean="0"/>
-              <a:t>25</a:t>
+              <a:t>26</a:t>
             </a:fld>
             <a:endParaRPr lang="en-US"/>
           </a:p>
@@ -2219,7 +2219,7 @@
           <a:p>
             <a:fld id="{CBC99354-90B8-4A26-9167-04629BAE14F6}" type="slidenum">
               <a:rPr lang="en-US" smtClean="0"/>
-              <a:t>26</a:t>
+              <a:t>27</a:t>
             </a:fld>
             <a:endParaRPr lang="en-US"/>
           </a:p>
@@ -2303,7 +2303,7 @@
           <a:p>
             <a:fld id="{CBC99354-90B8-4A26-9167-04629BAE14F6}" type="slidenum">
               <a:rPr lang="en-US" smtClean="0"/>
-              <a:t>27</a:t>
+              <a:t>28</a:t>
             </a:fld>
             <a:endParaRPr lang="en-US"/>
           </a:p>
@@ -2387,7 +2387,7 @@
           <a:p>
             <a:fld id="{CBC99354-90B8-4A26-9167-04629BAE14F6}" type="slidenum">
               <a:rPr lang="en-US" smtClean="0"/>
-              <a:t>28</a:t>
+              <a:t>29</a:t>
             </a:fld>
             <a:endParaRPr lang="en-US"/>
           </a:p>
@@ -2396,7 +2396,7 @@
     </p:spTree>
     <p:extLst>
       <p:ext uri="{BB962C8B-B14F-4D97-AF65-F5344CB8AC3E}">
-        <p14:creationId xmlns:p14="http://schemas.microsoft.com/office/powerpoint/2010/main" val="863058883"/>
+        <p14:creationId xmlns:p14="http://schemas.microsoft.com/office/powerpoint/2010/main" val="3204165803"/>
       </p:ext>
     </p:extLst>
   </p:cSld>
@@ -2471,7 +2471,7 @@
           <a:p>
             <a:fld id="{CBC99354-90B8-4A26-9167-04629BAE14F6}" type="slidenum">
               <a:rPr lang="en-US" smtClean="0"/>
-              <a:t>29</a:t>
+              <a:t>30</a:t>
             </a:fld>
             <a:endParaRPr lang="en-US"/>
           </a:p>
@@ -2480,7 +2480,7 @@
     </p:spTree>
     <p:extLst>
       <p:ext uri="{BB962C8B-B14F-4D97-AF65-F5344CB8AC3E}">
-        <p14:creationId xmlns:p14="http://schemas.microsoft.com/office/powerpoint/2010/main" val="3204165803"/>
+        <p14:creationId xmlns:p14="http://schemas.microsoft.com/office/powerpoint/2010/main" val="156247696"/>
       </p:ext>
     </p:extLst>
   </p:cSld>
@@ -2555,7 +2555,7 @@
           <a:p>
             <a:fld id="{CBC99354-90B8-4A26-9167-04629BAE14F6}" type="slidenum">
               <a:rPr lang="en-US" smtClean="0"/>
-              <a:t>30</a:t>
+              <a:t>31</a:t>
             </a:fld>
             <a:endParaRPr lang="en-US"/>
           </a:p>
@@ -2564,7 +2564,7 @@
     </p:spTree>
     <p:extLst>
       <p:ext uri="{BB962C8B-B14F-4D97-AF65-F5344CB8AC3E}">
-        <p14:creationId xmlns:p14="http://schemas.microsoft.com/office/powerpoint/2010/main" val="156247696"/>
+        <p14:creationId xmlns:p14="http://schemas.microsoft.com/office/powerpoint/2010/main" val="3504082487"/>
       </p:ext>
     </p:extLst>
   </p:cSld>
@@ -2723,7 +2723,7 @@
           <a:p>
             <a:fld id="{CBC99354-90B8-4A26-9167-04629BAE14F6}" type="slidenum">
               <a:rPr lang="en-US" smtClean="0"/>
-              <a:t>31</a:t>
+              <a:t>32</a:t>
             </a:fld>
             <a:endParaRPr lang="en-US"/>
           </a:p>
@@ -2732,7 +2732,7 @@
     </p:spTree>
     <p:extLst>
       <p:ext uri="{BB962C8B-B14F-4D97-AF65-F5344CB8AC3E}">
-        <p14:creationId xmlns:p14="http://schemas.microsoft.com/office/powerpoint/2010/main" val="3504082487"/>
+        <p14:creationId xmlns:p14="http://schemas.microsoft.com/office/powerpoint/2010/main" val="3388368028"/>
       </p:ext>
     </p:extLst>
   </p:cSld>
@@ -2807,7 +2807,7 @@
           <a:p>
             <a:fld id="{CBC99354-90B8-4A26-9167-04629BAE14F6}" type="slidenum">
               <a:rPr lang="en-US" smtClean="0"/>
-              <a:t>32</a:t>
+              <a:t>33</a:t>
             </a:fld>
             <a:endParaRPr lang="en-US"/>
           </a:p>
@@ -2816,7 +2816,7 @@
     </p:spTree>
     <p:extLst>
       <p:ext uri="{BB962C8B-B14F-4D97-AF65-F5344CB8AC3E}">
-        <p14:creationId xmlns:p14="http://schemas.microsoft.com/office/powerpoint/2010/main" val="3388368028"/>
+        <p14:creationId xmlns:p14="http://schemas.microsoft.com/office/powerpoint/2010/main" val="1523263444"/>
       </p:ext>
     </p:extLst>
   </p:cSld>
@@ -2891,7 +2891,7 @@
           <a:p>
             <a:fld id="{CBC99354-90B8-4A26-9167-04629BAE14F6}" type="slidenum">
               <a:rPr lang="en-US" smtClean="0"/>
-              <a:t>33</a:t>
+              <a:t>34</a:t>
             </a:fld>
             <a:endParaRPr lang="en-US"/>
           </a:p>
@@ -2900,7 +2900,7 @@
     </p:spTree>
     <p:extLst>
       <p:ext uri="{BB962C8B-B14F-4D97-AF65-F5344CB8AC3E}">
-        <p14:creationId xmlns:p14="http://schemas.microsoft.com/office/powerpoint/2010/main" val="1523263444"/>
+        <p14:creationId xmlns:p14="http://schemas.microsoft.com/office/powerpoint/2010/main" val="2050982655"/>
       </p:ext>
     </p:extLst>
   </p:cSld>
@@ -2975,7 +2975,7 @@
           <a:p>
             <a:fld id="{CBC99354-90B8-4A26-9167-04629BAE14F6}" type="slidenum">
               <a:rPr lang="en-US" smtClean="0"/>
-              <a:t>34</a:t>
+              <a:t>35</a:t>
             </a:fld>
             <a:endParaRPr lang="en-US"/>
           </a:p>
@@ -2984,7 +2984,7 @@
     </p:spTree>
     <p:extLst>
       <p:ext uri="{BB962C8B-B14F-4D97-AF65-F5344CB8AC3E}">
-        <p14:creationId xmlns:p14="http://schemas.microsoft.com/office/powerpoint/2010/main" val="2050982655"/>
+        <p14:creationId xmlns:p14="http://schemas.microsoft.com/office/powerpoint/2010/main" val="2956857459"/>
       </p:ext>
     </p:extLst>
   </p:cSld>
@@ -3059,7 +3059,7 @@
           <a:p>
             <a:fld id="{CBC99354-90B8-4A26-9167-04629BAE14F6}" type="slidenum">
               <a:rPr lang="en-US" smtClean="0"/>
-              <a:t>35</a:t>
+              <a:t>36</a:t>
             </a:fld>
             <a:endParaRPr lang="en-US"/>
           </a:p>
@@ -3068,7 +3068,7 @@
     </p:spTree>
     <p:extLst>
       <p:ext uri="{BB962C8B-B14F-4D97-AF65-F5344CB8AC3E}">
-        <p14:creationId xmlns:p14="http://schemas.microsoft.com/office/powerpoint/2010/main" val="2956857459"/>
+        <p14:creationId xmlns:p14="http://schemas.microsoft.com/office/powerpoint/2010/main" val="174769969"/>
       </p:ext>
     </p:extLst>
   </p:cSld>
@@ -3143,7 +3143,7 @@
           <a:p>
             <a:fld id="{CBC99354-90B8-4A26-9167-04629BAE14F6}" type="slidenum">
               <a:rPr lang="en-US" smtClean="0"/>
-              <a:t>36</a:t>
+              <a:t>37</a:t>
             </a:fld>
             <a:endParaRPr lang="en-US"/>
           </a:p>
@@ -3152,7 +3152,7 @@
     </p:spTree>
     <p:extLst>
       <p:ext uri="{BB962C8B-B14F-4D97-AF65-F5344CB8AC3E}">
-        <p14:creationId xmlns:p14="http://schemas.microsoft.com/office/powerpoint/2010/main" val="174769969"/>
+        <p14:creationId xmlns:p14="http://schemas.microsoft.com/office/powerpoint/2010/main" val="150243831"/>
       </p:ext>
     </p:extLst>
   </p:cSld>
@@ -3227,7 +3227,7 @@
           <a:p>
             <a:fld id="{CBC99354-90B8-4A26-9167-04629BAE14F6}" type="slidenum">
               <a:rPr lang="en-US" smtClean="0"/>
-              <a:t>37</a:t>
+              <a:t>38</a:t>
             </a:fld>
             <a:endParaRPr lang="en-US"/>
           </a:p>
@@ -3236,7 +3236,7 @@
     </p:spTree>
     <p:extLst>
       <p:ext uri="{BB962C8B-B14F-4D97-AF65-F5344CB8AC3E}">
-        <p14:creationId xmlns:p14="http://schemas.microsoft.com/office/powerpoint/2010/main" val="150243831"/>
+        <p14:creationId xmlns:p14="http://schemas.microsoft.com/office/powerpoint/2010/main" val="4244375716"/>
       </p:ext>
     </p:extLst>
   </p:cSld>
@@ -3311,7 +3311,7 @@
           <a:p>
             <a:fld id="{CBC99354-90B8-4A26-9167-04629BAE14F6}" type="slidenum">
               <a:rPr lang="en-US" smtClean="0"/>
-              <a:t>38</a:t>
+              <a:t>39</a:t>
             </a:fld>
             <a:endParaRPr lang="en-US"/>
           </a:p>
@@ -3320,7 +3320,7 @@
     </p:spTree>
     <p:extLst>
       <p:ext uri="{BB962C8B-B14F-4D97-AF65-F5344CB8AC3E}">
-        <p14:creationId xmlns:p14="http://schemas.microsoft.com/office/powerpoint/2010/main" val="4244375716"/>
+        <p14:creationId xmlns:p14="http://schemas.microsoft.com/office/powerpoint/2010/main" val="371480738"/>
       </p:ext>
     </p:extLst>
   </p:cSld>
@@ -3347,66 +3347,7 @@
           <a:chExt cx="0" cy="0"/>
         </a:xfrm>
       </p:grpSpPr>
-      <p:sp>
-        <p:nvSpPr>
-          <p:cNvPr id="2" name="Slide Image Placeholder 1"/>
-          <p:cNvSpPr>
-            <a:spLocks noGrp="1" noRot="1" noChangeAspect="1"/>
-          </p:cNvSpPr>
-          <p:nvPr>
-            <p:ph type="sldImg"/>
-          </p:nvPr>
-        </p:nvSpPr>
-        <p:spPr/>
-      </p:sp>
-      <p:sp>
-        <p:nvSpPr>
-          <p:cNvPr id="3" name="Notes Placeholder 2"/>
-          <p:cNvSpPr>
-            <a:spLocks noGrp="1"/>
-          </p:cNvSpPr>
-          <p:nvPr>
-            <p:ph type="body" idx="1"/>
-          </p:nvPr>
-        </p:nvSpPr>
-        <p:spPr/>
-        <p:txBody>
-          <a:bodyPr/>
-          <a:lstStyle/>
-          <a:p>
-            <a:endParaRPr lang="en-US" dirty="0"/>
-          </a:p>
-        </p:txBody>
-      </p:sp>
-      <p:sp>
-        <p:nvSpPr>
-          <p:cNvPr id="4" name="Slide Number Placeholder 3"/>
-          <p:cNvSpPr>
-            <a:spLocks noGrp="1"/>
-          </p:cNvSpPr>
-          <p:nvPr>
-            <p:ph type="sldNum" sz="quarter" idx="5"/>
-          </p:nvPr>
-        </p:nvSpPr>
-        <p:spPr/>
-        <p:txBody>
-          <a:bodyPr/>
-          <a:lstStyle/>
-          <a:p>
-            <a:fld id="{CBC99354-90B8-4A26-9167-04629BAE14F6}" type="slidenum">
-              <a:rPr lang="en-US" smtClean="0"/>
-              <a:t>39</a:t>
-            </a:fld>
-            <a:endParaRPr lang="en-US"/>
-          </a:p>
-        </p:txBody>
-      </p:sp>
     </p:spTree>
-    <p:extLst>
-      <p:ext uri="{BB962C8B-B14F-4D97-AF65-F5344CB8AC3E}">
-        <p14:creationId xmlns:p14="http://schemas.microsoft.com/office/powerpoint/2010/main" val="371480738"/>
-      </p:ext>
-    </p:extLst>
   </p:cSld>
   <p:clrMapOvr>
     <a:masterClrMapping/>
@@ -3541,6 +3482,11 @@
         </a:xfrm>
       </p:grpSpPr>
     </p:spTree>
+    <p:extLst>
+      <p:ext uri="{BB962C8B-B14F-4D97-AF65-F5344CB8AC3E}">
+        <p14:creationId xmlns:p14="http://schemas.microsoft.com/office/powerpoint/2010/main" val="427707898"/>
+      </p:ext>
+    </p:extLst>
   </p:cSld>
   <p:clrMapOvr>
     <a:masterClrMapping/>
@@ -3568,7 +3514,7 @@
     </p:spTree>
     <p:extLst>
       <p:ext uri="{BB962C8B-B14F-4D97-AF65-F5344CB8AC3E}">
-        <p14:creationId xmlns:p14="http://schemas.microsoft.com/office/powerpoint/2010/main" val="427707898"/>
+        <p14:creationId xmlns:p14="http://schemas.microsoft.com/office/powerpoint/2010/main" val="2588143614"/>
       </p:ext>
     </p:extLst>
   </p:cSld>
@@ -3598,7 +3544,7 @@
     </p:spTree>
     <p:extLst>
       <p:ext uri="{BB962C8B-B14F-4D97-AF65-F5344CB8AC3E}">
-        <p14:creationId xmlns:p14="http://schemas.microsoft.com/office/powerpoint/2010/main" val="2588143614"/>
+        <p14:creationId xmlns:p14="http://schemas.microsoft.com/office/powerpoint/2010/main" val="2228339329"/>
       </p:ext>
     </p:extLst>
   </p:cSld>
@@ -3628,7 +3574,7 @@
     </p:spTree>
     <p:extLst>
       <p:ext uri="{BB962C8B-B14F-4D97-AF65-F5344CB8AC3E}">
-        <p14:creationId xmlns:p14="http://schemas.microsoft.com/office/powerpoint/2010/main" val="2228339329"/>
+        <p14:creationId xmlns:p14="http://schemas.microsoft.com/office/powerpoint/2010/main" val="1163624195"/>
       </p:ext>
     </p:extLst>
   </p:cSld>
@@ -3658,7 +3604,7 @@
     </p:spTree>
     <p:extLst>
       <p:ext uri="{BB962C8B-B14F-4D97-AF65-F5344CB8AC3E}">
-        <p14:creationId xmlns:p14="http://schemas.microsoft.com/office/powerpoint/2010/main" val="1163624195"/>
+        <p14:creationId xmlns:p14="http://schemas.microsoft.com/office/powerpoint/2010/main" val="530549999"/>
       </p:ext>
     </p:extLst>
   </p:cSld>
@@ -3688,7 +3634,7 @@
     </p:spTree>
     <p:extLst>
       <p:ext uri="{BB962C8B-B14F-4D97-AF65-F5344CB8AC3E}">
-        <p14:creationId xmlns:p14="http://schemas.microsoft.com/office/powerpoint/2010/main" val="530549999"/>
+        <p14:creationId xmlns:p14="http://schemas.microsoft.com/office/powerpoint/2010/main" val="1691253280"/>
       </p:ext>
     </p:extLst>
   </p:cSld>
@@ -3718,7 +3664,7 @@
     </p:spTree>
     <p:extLst>
       <p:ext uri="{BB962C8B-B14F-4D97-AF65-F5344CB8AC3E}">
-        <p14:creationId xmlns:p14="http://schemas.microsoft.com/office/powerpoint/2010/main" val="1691253280"/>
+        <p14:creationId xmlns:p14="http://schemas.microsoft.com/office/powerpoint/2010/main" val="874544033"/>
       </p:ext>
     </p:extLst>
   </p:cSld>
@@ -3748,7 +3694,7 @@
     </p:spTree>
     <p:extLst>
       <p:ext uri="{BB962C8B-B14F-4D97-AF65-F5344CB8AC3E}">
-        <p14:creationId xmlns:p14="http://schemas.microsoft.com/office/powerpoint/2010/main" val="874544033"/>
+        <p14:creationId xmlns:p14="http://schemas.microsoft.com/office/powerpoint/2010/main" val="2908263841"/>
       </p:ext>
     </p:extLst>
   </p:cSld>
@@ -3778,7 +3724,7 @@
     </p:spTree>
     <p:extLst>
       <p:ext uri="{BB962C8B-B14F-4D97-AF65-F5344CB8AC3E}">
-        <p14:creationId xmlns:p14="http://schemas.microsoft.com/office/powerpoint/2010/main" val="2908263841"/>
+        <p14:creationId xmlns:p14="http://schemas.microsoft.com/office/powerpoint/2010/main" val="593348790"/>
       </p:ext>
     </p:extLst>
   </p:cSld>
@@ -3808,7 +3754,7 @@
     </p:spTree>
     <p:extLst>
       <p:ext uri="{BB962C8B-B14F-4D97-AF65-F5344CB8AC3E}">
-        <p14:creationId xmlns:p14="http://schemas.microsoft.com/office/powerpoint/2010/main" val="593348790"/>
+        <p14:creationId xmlns:p14="http://schemas.microsoft.com/office/powerpoint/2010/main" val="4025862633"/>
       </p:ext>
     </p:extLst>
   </p:cSld>
@@ -3922,7 +3868,7 @@
     </p:spTree>
     <p:extLst>
       <p:ext uri="{BB962C8B-B14F-4D97-AF65-F5344CB8AC3E}">
-        <p14:creationId xmlns:p14="http://schemas.microsoft.com/office/powerpoint/2010/main" val="4025862633"/>
+        <p14:creationId xmlns:p14="http://schemas.microsoft.com/office/powerpoint/2010/main" val="1168692051"/>
       </p:ext>
     </p:extLst>
   </p:cSld>
@@ -3933,36 +3879,6 @@
 </file>
 
 <file path=ppt/notesSlides/notesSlide51.xml><?xml version="1.0" encoding="utf-8"?>
-<p:notes xmlns:a="http://schemas.openxmlformats.org/drawingml/2006/main" xmlns:r="http://schemas.openxmlformats.org/officeDocument/2006/relationships" xmlns:p="http://schemas.openxmlformats.org/presentationml/2006/main">
-  <p:cSld>
-    <p:spTree>
-      <p:nvGrpSpPr>
-        <p:cNvPr id="1" name=""/>
-        <p:cNvGrpSpPr/>
-        <p:nvPr/>
-      </p:nvGrpSpPr>
-      <p:grpSpPr>
-        <a:xfrm>
-          <a:off x="0" y="0"/>
-          <a:ext cx="0" cy="0"/>
-          <a:chOff x="0" y="0"/>
-          <a:chExt cx="0" cy="0"/>
-        </a:xfrm>
-      </p:grpSpPr>
-    </p:spTree>
-    <p:extLst>
-      <p:ext uri="{BB962C8B-B14F-4D97-AF65-F5344CB8AC3E}">
-        <p14:creationId xmlns:p14="http://schemas.microsoft.com/office/powerpoint/2010/main" val="1168692051"/>
-      </p:ext>
-    </p:extLst>
-  </p:cSld>
-  <p:clrMapOvr>
-    <a:masterClrMapping/>
-  </p:clrMapOvr>
-</p:notes>
-</file>
-
-<file path=ppt/notesSlides/notesSlide52.xml><?xml version="1.0" encoding="utf-8"?>
 <p:notes xmlns:a="http://schemas.openxmlformats.org/drawingml/2006/main" xmlns:r="http://schemas.openxmlformats.org/officeDocument/2006/relationships" xmlns:p="http://schemas.openxmlformats.org/presentationml/2006/main">
   <p:cSld>
     <p:spTree>
@@ -4612,7 +4528,7 @@
             </a:pPr>
             <a:fld id="{A7A78B73-D440-4B82-9E3B-BAF17BD79BE4}" type="datetime1">
               <a:rPr lang="en-US" smtClean="0"/>
-              <a:t>1/16/23</a:t>
+              <a:t>1/18/23</a:t>
             </a:fld>
             <a:endParaRPr lang="en-US"/>
           </a:p>
@@ -4938,7 +4854,7 @@
             </a:pPr>
             <a:fld id="{A79DEEAB-A47E-45BA-A099-3882E6BDB966}" type="datetime1">
               <a:rPr lang="en-US" smtClean="0"/>
-              <a:t>1/16/23</a:t>
+              <a:t>1/18/23</a:t>
             </a:fld>
             <a:endParaRPr lang="en-US"/>
           </a:p>
@@ -5273,7 +5189,7 @@
             </a:pPr>
             <a:fld id="{3C36871A-CCA1-40F1-A326-C7B2951853D1}" type="datetime1">
               <a:rPr lang="en-US" smtClean="0"/>
-              <a:t>1/16/23</a:t>
+              <a:t>1/18/23</a:t>
             </a:fld>
             <a:endParaRPr lang="en-US"/>
           </a:p>
@@ -5738,7 +5654,7 @@
             </a:pPr>
             <a:fld id="{A32F2BC3-CC00-4DDD-B344-4F182799B4ED}" type="datetime1">
               <a:rPr lang="en-US" smtClean="0"/>
-              <a:t>1/16/23</a:t>
+              <a:t>1/18/23</a:t>
             </a:fld>
             <a:endParaRPr lang="en-US"/>
           </a:p>
@@ -6073,7 +5989,7 @@
             </a:pPr>
             <a:fld id="{7DFB47D3-8159-40CD-8213-97425B8B0CB4}" type="datetime1">
               <a:rPr lang="en-US" smtClean="0"/>
-              <a:t>1/16/23</a:t>
+              <a:t>1/18/23</a:t>
             </a:fld>
             <a:endParaRPr lang="en-US"/>
           </a:p>
@@ -6249,7 +6165,7 @@
             </a:pPr>
             <a:fld id="{EF6035DD-4E03-47F0-8D09-581FC637A1BF}" type="datetime1">
               <a:rPr lang="en-US" smtClean="0"/>
-              <a:t>1/16/23</a:t>
+              <a:t>1/18/23</a:t>
             </a:fld>
             <a:endParaRPr lang="en-US" dirty="0"/>
           </a:p>
@@ -7139,7 +7055,7 @@
                   <a:srgbClr val="064339"/>
                 </a:solidFill>
               </a:rPr>
-              <a:t>Lecture 3</a:t>
+              <a:t>Lecture 4</a:t>
             </a:r>
           </a:p>
           <a:p>
@@ -8157,6 +8073,226 @@
 </file>
 
 <file path=ppt/slides/slide14.xml><?xml version="1.0" encoding="utf-8"?>
+<p:sld xmlns:a="http://schemas.openxmlformats.org/drawingml/2006/main" xmlns:r="http://schemas.openxmlformats.org/officeDocument/2006/relationships" xmlns:p="http://schemas.openxmlformats.org/presentationml/2006/main">
+  <p:cSld>
+    <p:spTree>
+      <p:nvGrpSpPr>
+        <p:cNvPr id="1" name=""/>
+        <p:cNvGrpSpPr/>
+        <p:nvPr/>
+      </p:nvGrpSpPr>
+      <p:grpSpPr>
+        <a:xfrm>
+          <a:off x="0" y="0"/>
+          <a:ext cx="0" cy="0"/>
+          <a:chOff x="0" y="0"/>
+          <a:chExt cx="0" cy="0"/>
+        </a:xfrm>
+      </p:grpSpPr>
+      <p:sp>
+        <p:nvSpPr>
+          <p:cNvPr id="4" name="Title 1">
+            <a:extLst>
+              <a:ext uri="{FF2B5EF4-FFF2-40B4-BE49-F238E27FC236}">
+                <a16:creationId xmlns:a16="http://schemas.microsoft.com/office/drawing/2014/main" id="{2A8BDDA7-E756-4015-BDF1-009326930515}"/>
+              </a:ext>
+            </a:extLst>
+          </p:cNvPr>
+          <p:cNvSpPr txBox="1">
+            <a:spLocks/>
+          </p:cNvSpPr>
+          <p:nvPr/>
+        </p:nvSpPr>
+        <p:spPr>
+          <a:xfrm>
+            <a:off x="164123" y="-77372"/>
+            <a:ext cx="6477000" cy="990600"/>
+          </a:xfrm>
+          <a:prstGeom prst="rect">
+            <a:avLst/>
+          </a:prstGeom>
+        </p:spPr>
+        <p:txBody>
+          <a:bodyPr>
+            <a:normAutofit/>
+          </a:bodyPr>
+          <a:lstStyle>
+            <a:lvl1pPr algn="l" defTabSz="457200" rtl="0" eaLnBrk="1" fontAlgn="base" hangingPunct="1">
+              <a:spcBef>
+                <a:spcPct val="0"/>
+              </a:spcBef>
+              <a:spcAft>
+                <a:spcPct val="0"/>
+              </a:spcAft>
+              <a:defRPr sz="3600" b="0" i="0" kern="1200" baseline="0">
+                <a:solidFill>
+                  <a:srgbClr val="18453B"/>
+                </a:solidFill>
+                <a:latin typeface="Gotham-Bold"/>
+                <a:ea typeface="ＭＳ Ｐゴシック" charset="-128"/>
+                <a:cs typeface="Gotham-Bold"/>
+              </a:defRPr>
+            </a:lvl1pPr>
+            <a:lvl2pPr algn="ctr" defTabSz="457200" rtl="0" eaLnBrk="1" fontAlgn="base" hangingPunct="1">
+              <a:spcBef>
+                <a:spcPct val="0"/>
+              </a:spcBef>
+              <a:spcAft>
+                <a:spcPct val="0"/>
+              </a:spcAft>
+              <a:defRPr sz="4400">
+                <a:solidFill>
+                  <a:schemeClr val="tx1"/>
+                </a:solidFill>
+                <a:latin typeface="Gotham Book" charset="0"/>
+                <a:ea typeface="ＭＳ Ｐゴシック" charset="-128"/>
+                <a:cs typeface="ＭＳ Ｐゴシック" charset="-128"/>
+              </a:defRPr>
+            </a:lvl2pPr>
+            <a:lvl3pPr algn="ctr" defTabSz="457200" rtl="0" eaLnBrk="1" fontAlgn="base" hangingPunct="1">
+              <a:spcBef>
+                <a:spcPct val="0"/>
+              </a:spcBef>
+              <a:spcAft>
+                <a:spcPct val="0"/>
+              </a:spcAft>
+              <a:defRPr sz="4400">
+                <a:solidFill>
+                  <a:schemeClr val="tx1"/>
+                </a:solidFill>
+                <a:latin typeface="Gotham Book" charset="0"/>
+                <a:ea typeface="ＭＳ Ｐゴシック" charset="-128"/>
+                <a:cs typeface="ＭＳ Ｐゴシック" charset="-128"/>
+              </a:defRPr>
+            </a:lvl3pPr>
+            <a:lvl4pPr algn="ctr" defTabSz="457200" rtl="0" eaLnBrk="1" fontAlgn="base" hangingPunct="1">
+              <a:spcBef>
+                <a:spcPct val="0"/>
+              </a:spcBef>
+              <a:spcAft>
+                <a:spcPct val="0"/>
+              </a:spcAft>
+              <a:defRPr sz="4400">
+                <a:solidFill>
+                  <a:schemeClr val="tx1"/>
+                </a:solidFill>
+                <a:latin typeface="Gotham Book" charset="0"/>
+                <a:ea typeface="ＭＳ Ｐゴシック" charset="-128"/>
+                <a:cs typeface="ＭＳ Ｐゴシック" charset="-128"/>
+              </a:defRPr>
+            </a:lvl4pPr>
+            <a:lvl5pPr algn="ctr" defTabSz="457200" rtl="0" eaLnBrk="1" fontAlgn="base" hangingPunct="1">
+              <a:spcBef>
+                <a:spcPct val="0"/>
+              </a:spcBef>
+              <a:spcAft>
+                <a:spcPct val="0"/>
+              </a:spcAft>
+              <a:defRPr sz="4400">
+                <a:solidFill>
+                  <a:schemeClr val="tx1"/>
+                </a:solidFill>
+                <a:latin typeface="Gotham Book" charset="0"/>
+                <a:ea typeface="ＭＳ Ｐゴシック" charset="-128"/>
+                <a:cs typeface="ＭＳ Ｐゴシック" charset="-128"/>
+              </a:defRPr>
+            </a:lvl5pPr>
+            <a:lvl6pPr marL="457200" algn="ctr" defTabSz="457200" rtl="0" eaLnBrk="1" fontAlgn="base" hangingPunct="1">
+              <a:spcBef>
+                <a:spcPct val="0"/>
+              </a:spcBef>
+              <a:spcAft>
+                <a:spcPct val="0"/>
+              </a:spcAft>
+              <a:defRPr sz="4400">
+                <a:solidFill>
+                  <a:schemeClr val="tx1"/>
+                </a:solidFill>
+                <a:latin typeface="Gotham Book" charset="0"/>
+                <a:ea typeface="ＭＳ Ｐゴシック" charset="-128"/>
+                <a:cs typeface="ＭＳ Ｐゴシック" charset="-128"/>
+              </a:defRPr>
+            </a:lvl6pPr>
+            <a:lvl7pPr marL="914400" algn="ctr" defTabSz="457200" rtl="0" eaLnBrk="1" fontAlgn="base" hangingPunct="1">
+              <a:spcBef>
+                <a:spcPct val="0"/>
+              </a:spcBef>
+              <a:spcAft>
+                <a:spcPct val="0"/>
+              </a:spcAft>
+              <a:defRPr sz="4400">
+                <a:solidFill>
+                  <a:schemeClr val="tx1"/>
+                </a:solidFill>
+                <a:latin typeface="Gotham Book" charset="0"/>
+                <a:ea typeface="ＭＳ Ｐゴシック" charset="-128"/>
+                <a:cs typeface="ＭＳ Ｐゴシック" charset="-128"/>
+              </a:defRPr>
+            </a:lvl7pPr>
+            <a:lvl8pPr marL="1371600" algn="ctr" defTabSz="457200" rtl="0" eaLnBrk="1" fontAlgn="base" hangingPunct="1">
+              <a:spcBef>
+                <a:spcPct val="0"/>
+              </a:spcBef>
+              <a:spcAft>
+                <a:spcPct val="0"/>
+              </a:spcAft>
+              <a:defRPr sz="4400">
+                <a:solidFill>
+                  <a:schemeClr val="tx1"/>
+                </a:solidFill>
+                <a:latin typeface="Gotham Book" charset="0"/>
+                <a:ea typeface="ＭＳ Ｐゴシック" charset="-128"/>
+                <a:cs typeface="ＭＳ Ｐゴシック" charset="-128"/>
+              </a:defRPr>
+            </a:lvl8pPr>
+            <a:lvl9pPr marL="1828800" algn="ctr" defTabSz="457200" rtl="0" eaLnBrk="1" fontAlgn="base" hangingPunct="1">
+              <a:spcBef>
+                <a:spcPct val="0"/>
+              </a:spcBef>
+              <a:spcAft>
+                <a:spcPct val="0"/>
+              </a:spcAft>
+              <a:defRPr sz="4400">
+                <a:solidFill>
+                  <a:schemeClr val="tx1"/>
+                </a:solidFill>
+                <a:latin typeface="Gotham Book" charset="0"/>
+                <a:ea typeface="ＭＳ Ｐゴシック" charset="-128"/>
+                <a:cs typeface="ＭＳ Ｐゴシック" charset="-128"/>
+              </a:defRPr>
+            </a:lvl9pPr>
+          </a:lstStyle>
+          <a:p>
+            <a:r>
+              <a:rPr lang="en-US" dirty="0">
+                <a:solidFill>
+                  <a:schemeClr val="bg1"/>
+                </a:solidFill>
+              </a:rPr>
+              <a:t>Linear Regression Coefficients </a:t>
+            </a:r>
+            <a:endParaRPr lang="en-US" sz="3500" dirty="0">
+              <a:solidFill>
+                <a:schemeClr val="bg1"/>
+              </a:solidFill>
+            </a:endParaRPr>
+          </a:p>
+        </p:txBody>
+      </p:sp>
+    </p:spTree>
+    <p:extLst>
+      <p:ext uri="{BB962C8B-B14F-4D97-AF65-F5344CB8AC3E}">
+        <p14:creationId xmlns:p14="http://schemas.microsoft.com/office/powerpoint/2010/main" val="156874499"/>
+      </p:ext>
+    </p:extLst>
+  </p:cSld>
+  <p:clrMapOvr>
+    <a:masterClrMapping/>
+  </p:clrMapOvr>
+</p:sld>
+</file>
+
+<file path=ppt/slides/slide15.xml><?xml version="1.0" encoding="utf-8"?>
 <p:sld xmlns:a="http://schemas.openxmlformats.org/drawingml/2006/main" xmlns:r="http://schemas.openxmlformats.org/officeDocument/2006/relationships" xmlns:p="http://schemas.openxmlformats.org/presentationml/2006/main">
   <p:cSld>
     <p:spTree>
@@ -8904,7 +9040,7 @@
 </p:sld>
 </file>
 
-<file path=ppt/slides/slide15.xml><?xml version="1.0" encoding="utf-8"?>
+<file path=ppt/slides/slide16.xml><?xml version="1.0" encoding="utf-8"?>
 <p:sld xmlns:a="http://schemas.openxmlformats.org/drawingml/2006/main" xmlns:r="http://schemas.openxmlformats.org/officeDocument/2006/relationships" xmlns:p="http://schemas.openxmlformats.org/presentationml/2006/main">
   <p:cSld>
     <p:spTree>
@@ -10102,7 +10238,7 @@
 </p:sld>
 </file>
 
-<file path=ppt/slides/slide16.xml><?xml version="1.0" encoding="utf-8"?>
+<file path=ppt/slides/slide17.xml><?xml version="1.0" encoding="utf-8"?>
 <p:sld xmlns:a="http://schemas.openxmlformats.org/drawingml/2006/main" xmlns:r="http://schemas.openxmlformats.org/officeDocument/2006/relationships" xmlns:p="http://schemas.openxmlformats.org/presentationml/2006/main">
   <p:cSld>
     <p:spTree>
@@ -10463,7 +10599,7 @@
 </p:sld>
 </file>
 
-<file path=ppt/slides/slide17.xml><?xml version="1.0" encoding="utf-8"?>
+<file path=ppt/slides/slide18.xml><?xml version="1.0" encoding="utf-8"?>
 <p:sld xmlns:a="http://schemas.openxmlformats.org/drawingml/2006/main" xmlns:r="http://schemas.openxmlformats.org/officeDocument/2006/relationships" xmlns:p="http://schemas.openxmlformats.org/presentationml/2006/main">
   <p:cSld>
     <p:spTree>
@@ -11820,7 +11956,7 @@
 </p:sld>
 </file>
 
-<file path=ppt/slides/slide18.xml><?xml version="1.0" encoding="utf-8"?>
+<file path=ppt/slides/slide19.xml><?xml version="1.0" encoding="utf-8"?>
 <p:sld xmlns:a="http://schemas.openxmlformats.org/drawingml/2006/main" xmlns:r="http://schemas.openxmlformats.org/officeDocument/2006/relationships" xmlns:p="http://schemas.openxmlformats.org/presentationml/2006/main">
   <p:cSld>
     <p:spTree>
@@ -12101,7 +12237,834 @@
 </p:sld>
 </file>
 
-<file path=ppt/slides/slide19.xml><?xml version="1.0" encoding="utf-8"?>
+<file path=ppt/slides/slide2.xml><?xml version="1.0" encoding="utf-8"?>
+<p:sld xmlns:a="http://schemas.openxmlformats.org/drawingml/2006/main" xmlns:r="http://schemas.openxmlformats.org/officeDocument/2006/relationships" xmlns:p="http://schemas.openxmlformats.org/presentationml/2006/main">
+  <p:cSld>
+    <p:spTree>
+      <p:nvGrpSpPr>
+        <p:cNvPr id="1" name=""/>
+        <p:cNvGrpSpPr/>
+        <p:nvPr/>
+      </p:nvGrpSpPr>
+      <p:grpSpPr>
+        <a:xfrm>
+          <a:off x="0" y="0"/>
+          <a:ext cx="0" cy="0"/>
+          <a:chOff x="0" y="0"/>
+          <a:chExt cx="0" cy="0"/>
+        </a:xfrm>
+      </p:grpSpPr>
+      <p:pic>
+        <p:nvPicPr>
+          <p:cNvPr id="5" name="Picture 2" descr="http://cabs.msu.edu/toolkit/images/helmet/gif/Spartan-helmet-Green-150-pxls.gif"/>
+          <p:cNvPicPr>
+            <a:picLocks noChangeAspect="1" noChangeArrowheads="1"/>
+          </p:cNvPicPr>
+          <p:nvPr/>
+        </p:nvPicPr>
+        <p:blipFill>
+          <a:blip r:embed="rId3">
+            <a:extLst>
+              <a:ext uri="{28A0092B-C50C-407E-A947-70E740481C1C}">
+                <a14:useLocalDpi xmlns:a14="http://schemas.microsoft.com/office/drawing/2010/main" val="0"/>
+              </a:ext>
+            </a:extLst>
+          </a:blip>
+          <a:srcRect/>
+          <a:stretch>
+            <a:fillRect/>
+          </a:stretch>
+        </p:blipFill>
+        <p:spPr bwMode="auto">
+          <a:xfrm>
+            <a:off x="328864" y="6382302"/>
+            <a:ext cx="289446" cy="333534"/>
+          </a:xfrm>
+          <a:prstGeom prst="rect">
+            <a:avLst/>
+          </a:prstGeom>
+          <a:noFill/>
+          <a:extLst>
+            <a:ext uri="{909E8E84-426E-40dd-AFC4-6F175D3DCCD1}">
+              <a14:hiddenFill xmlns:a14="http://schemas.microsoft.com/office/drawing/2010/main" xmlns="">
+                <a:solidFill>
+                  <a:srgbClr val="FFFFFF"/>
+                </a:solidFill>
+              </a14:hiddenFill>
+            </a:ext>
+          </a:extLst>
+        </p:spPr>
+      </p:pic>
+      <p:pic>
+        <p:nvPicPr>
+          <p:cNvPr id="6" name="Picture 4" descr="http://brand.msu.edu/_files/images/spartans-will.png"/>
+          <p:cNvPicPr>
+            <a:picLocks noChangeAspect="1" noChangeArrowheads="1"/>
+          </p:cNvPicPr>
+          <p:nvPr/>
+        </p:nvPicPr>
+        <p:blipFill>
+          <a:blip r:embed="rId4">
+            <a:extLst>
+              <a:ext uri="{28A0092B-C50C-407E-A947-70E740481C1C}">
+                <a14:useLocalDpi xmlns:a14="http://schemas.microsoft.com/office/drawing/2010/main" val="0"/>
+              </a:ext>
+            </a:extLst>
+          </a:blip>
+          <a:srcRect/>
+          <a:stretch>
+            <a:fillRect/>
+          </a:stretch>
+        </p:blipFill>
+        <p:spPr bwMode="auto">
+          <a:xfrm>
+            <a:off x="737173" y="6477963"/>
+            <a:ext cx="1716967" cy="142211"/>
+          </a:xfrm>
+          <a:prstGeom prst="rect">
+            <a:avLst/>
+          </a:prstGeom>
+          <a:noFill/>
+          <a:extLst>
+            <a:ext uri="{909E8E84-426E-40dd-AFC4-6F175D3DCCD1}">
+              <a14:hiddenFill xmlns:a14="http://schemas.microsoft.com/office/drawing/2010/main" xmlns="">
+                <a:solidFill>
+                  <a:srgbClr val="FFFFFF"/>
+                </a:solidFill>
+              </a14:hiddenFill>
+            </a:ext>
+          </a:extLst>
+        </p:spPr>
+      </p:pic>
+      <p:sp>
+        <p:nvSpPr>
+          <p:cNvPr id="2" name="Subtitle 2">
+            <a:extLst>
+              <a:ext uri="{FF2B5EF4-FFF2-40B4-BE49-F238E27FC236}">
+                <a16:creationId xmlns:a16="http://schemas.microsoft.com/office/drawing/2014/main" id="{D21E2972-E870-5B05-F627-3932740E265F}"/>
+              </a:ext>
+            </a:extLst>
+          </p:cNvPr>
+          <p:cNvSpPr txBox="1">
+            <a:spLocks/>
+          </p:cNvSpPr>
+          <p:nvPr/>
+        </p:nvSpPr>
+        <p:spPr>
+          <a:xfrm>
+            <a:off x="248528" y="1227992"/>
+            <a:ext cx="8229600" cy="2201008"/>
+          </a:xfrm>
+          <a:prstGeom prst="rect">
+            <a:avLst/>
+          </a:prstGeom>
+        </p:spPr>
+        <p:txBody>
+          <a:bodyPr>
+            <a:normAutofit fontScale="77500" lnSpcReduction="20000"/>
+          </a:bodyPr>
+          <a:lstStyle>
+            <a:lvl1pPr marL="342900" indent="-342900" algn="l" defTabSz="457200" rtl="0" eaLnBrk="1" fontAlgn="base" hangingPunct="1">
+              <a:spcBef>
+                <a:spcPct val="20000"/>
+              </a:spcBef>
+              <a:spcAft>
+                <a:spcPct val="0"/>
+              </a:spcAft>
+              <a:buClr>
+                <a:srgbClr val="18453B"/>
+              </a:buClr>
+              <a:buFont typeface="Arial"/>
+              <a:buChar char="•"/>
+              <a:defRPr sz="2800" b="0" i="0" kern="1200">
+                <a:solidFill>
+                  <a:srgbClr val="595959"/>
+                </a:solidFill>
+                <a:latin typeface="Gotham Book"/>
+                <a:ea typeface="ＭＳ Ｐゴシック" charset="-128"/>
+                <a:cs typeface="Gotham Book"/>
+              </a:defRPr>
+            </a:lvl1pPr>
+            <a:lvl2pPr marL="742950" indent="-285750" algn="l" defTabSz="457200" rtl="0" eaLnBrk="1" fontAlgn="base" hangingPunct="1">
+              <a:spcBef>
+                <a:spcPct val="20000"/>
+              </a:spcBef>
+              <a:spcAft>
+                <a:spcPct val="0"/>
+              </a:spcAft>
+              <a:buClr>
+                <a:schemeClr val="tx1">
+                  <a:lumMod val="75000"/>
+                  <a:lumOff val="25000"/>
+                </a:schemeClr>
+              </a:buClr>
+              <a:buSzPct val="85000"/>
+              <a:buFont typeface="Arial"/>
+              <a:buChar char="•"/>
+              <a:defRPr sz="2400" b="0" i="0" kern="1200">
+                <a:solidFill>
+                  <a:srgbClr val="595959"/>
+                </a:solidFill>
+                <a:latin typeface="Gotham Book"/>
+                <a:ea typeface="ＭＳ Ｐゴシック" charset="-128"/>
+                <a:cs typeface="Gotham Book"/>
+              </a:defRPr>
+            </a:lvl2pPr>
+            <a:lvl3pPr marL="1143000" indent="-228600" algn="l" defTabSz="457200" rtl="0" eaLnBrk="1" fontAlgn="base" hangingPunct="1">
+              <a:spcBef>
+                <a:spcPct val="20000"/>
+              </a:spcBef>
+              <a:spcAft>
+                <a:spcPct val="0"/>
+              </a:spcAft>
+              <a:buClr>
+                <a:schemeClr val="tx1">
+                  <a:lumMod val="75000"/>
+                  <a:lumOff val="25000"/>
+                </a:schemeClr>
+              </a:buClr>
+              <a:buFont typeface="Arial" charset="0"/>
+              <a:buChar char="•"/>
+              <a:defRPr sz="2000" b="0" i="0" kern="1200">
+                <a:solidFill>
+                  <a:schemeClr val="tx1">
+                    <a:lumMod val="75000"/>
+                    <a:lumOff val="25000"/>
+                  </a:schemeClr>
+                </a:solidFill>
+                <a:latin typeface="Gotham Book"/>
+                <a:ea typeface="ＭＳ Ｐゴシック" charset="-128"/>
+                <a:cs typeface="Gotham Book"/>
+              </a:defRPr>
+            </a:lvl3pPr>
+            <a:lvl4pPr marL="1600200" indent="-228600" algn="l" defTabSz="457200" rtl="0" eaLnBrk="1" fontAlgn="base" hangingPunct="1">
+              <a:spcBef>
+                <a:spcPct val="20000"/>
+              </a:spcBef>
+              <a:spcAft>
+                <a:spcPct val="0"/>
+              </a:spcAft>
+              <a:buFont typeface="Arial" charset="0"/>
+              <a:buChar char="–"/>
+              <a:defRPr sz="2000" b="0" i="0" kern="1200">
+                <a:solidFill>
+                  <a:schemeClr val="tx1"/>
+                </a:solidFill>
+                <a:latin typeface="Gotham Book"/>
+                <a:ea typeface="ＭＳ Ｐゴシック" charset="-128"/>
+                <a:cs typeface="Gotham Book"/>
+              </a:defRPr>
+            </a:lvl4pPr>
+            <a:lvl5pPr marL="2057400" indent="-228600" algn="l" defTabSz="457200" rtl="0" eaLnBrk="1" fontAlgn="base" hangingPunct="1">
+              <a:spcBef>
+                <a:spcPct val="20000"/>
+              </a:spcBef>
+              <a:spcAft>
+                <a:spcPct val="0"/>
+              </a:spcAft>
+              <a:buFont typeface="Arial" charset="0"/>
+              <a:buChar char="»"/>
+              <a:defRPr sz="2000" b="0" i="0" kern="1200">
+                <a:solidFill>
+                  <a:schemeClr val="tx1"/>
+                </a:solidFill>
+                <a:latin typeface="Gotham Book"/>
+                <a:ea typeface="ＭＳ Ｐゴシック" charset="-128"/>
+                <a:cs typeface="Gotham Book"/>
+              </a:defRPr>
+            </a:lvl5pPr>
+            <a:lvl6pPr marL="2514600" indent="-228600" algn="l" defTabSz="457200" rtl="0" eaLnBrk="1" latinLnBrk="0" hangingPunct="1">
+              <a:spcBef>
+                <a:spcPct val="20000"/>
+              </a:spcBef>
+              <a:buFont typeface="Arial"/>
+              <a:buChar char="•"/>
+              <a:defRPr sz="2000" kern="1200">
+                <a:solidFill>
+                  <a:schemeClr val="tx1"/>
+                </a:solidFill>
+                <a:latin typeface="+mn-lt"/>
+                <a:ea typeface="+mn-ea"/>
+                <a:cs typeface="+mn-cs"/>
+              </a:defRPr>
+            </a:lvl6pPr>
+            <a:lvl7pPr marL="2971800" indent="-228600" algn="l" defTabSz="457200" rtl="0" eaLnBrk="1" latinLnBrk="0" hangingPunct="1">
+              <a:spcBef>
+                <a:spcPct val="20000"/>
+              </a:spcBef>
+              <a:buFont typeface="Arial"/>
+              <a:buChar char="•"/>
+              <a:defRPr sz="2000" kern="1200">
+                <a:solidFill>
+                  <a:schemeClr val="tx1"/>
+                </a:solidFill>
+                <a:latin typeface="+mn-lt"/>
+                <a:ea typeface="+mn-ea"/>
+                <a:cs typeface="+mn-cs"/>
+              </a:defRPr>
+            </a:lvl7pPr>
+            <a:lvl8pPr marL="3429000" indent="-228600" algn="l" defTabSz="457200" rtl="0" eaLnBrk="1" latinLnBrk="0" hangingPunct="1">
+              <a:spcBef>
+                <a:spcPct val="20000"/>
+              </a:spcBef>
+              <a:buFont typeface="Arial"/>
+              <a:buChar char="•"/>
+              <a:defRPr sz="2000" kern="1200">
+                <a:solidFill>
+                  <a:schemeClr val="tx1"/>
+                </a:solidFill>
+                <a:latin typeface="+mn-lt"/>
+                <a:ea typeface="+mn-ea"/>
+                <a:cs typeface="+mn-cs"/>
+              </a:defRPr>
+            </a:lvl8pPr>
+            <a:lvl9pPr marL="3886200" indent="-228600" algn="l" defTabSz="457200" rtl="0" eaLnBrk="1" latinLnBrk="0" hangingPunct="1">
+              <a:spcBef>
+                <a:spcPct val="20000"/>
+              </a:spcBef>
+              <a:buFont typeface="Arial"/>
+              <a:buChar char="•"/>
+              <a:defRPr sz="2000" kern="1200">
+                <a:solidFill>
+                  <a:schemeClr val="tx1"/>
+                </a:solidFill>
+                <a:latin typeface="+mn-lt"/>
+                <a:ea typeface="+mn-ea"/>
+                <a:cs typeface="+mn-cs"/>
+              </a:defRPr>
+            </a:lvl9pPr>
+          </a:lstStyle>
+          <a:p>
+            <a:pPr marL="457200" indent="-457200">
+              <a:buClr>
+                <a:schemeClr val="tx1"/>
+              </a:buClr>
+              <a:buFont typeface="Arial" pitchFamily="34" charset="0"/>
+              <a:buChar char="•"/>
+            </a:pPr>
+            <a:r>
+              <a:rPr lang="en-US" dirty="0">
+                <a:solidFill>
+                  <a:schemeClr val="tx1"/>
+                </a:solidFill>
+              </a:rPr>
+              <a:t>Estimating </a:t>
+            </a:r>
+            <a:r>
+              <a:rPr lang="en-US" i="1" dirty="0">
+                <a:solidFill>
+                  <a:schemeClr val="tx1"/>
+                </a:solidFill>
+              </a:rPr>
+              <a:t>f</a:t>
+            </a:r>
+            <a:r>
+              <a:rPr lang="en-US" dirty="0">
+                <a:solidFill>
+                  <a:schemeClr val="tx1"/>
+                </a:solidFill>
+              </a:rPr>
+              <a:t>: non-parametric vs parametric</a:t>
+            </a:r>
+          </a:p>
+          <a:p>
+            <a:pPr marL="457200" indent="-457200">
+              <a:buClr>
+                <a:schemeClr val="tx1"/>
+              </a:buClr>
+              <a:buFont typeface="Arial" pitchFamily="34" charset="0"/>
+              <a:buChar char="•"/>
+            </a:pPr>
+            <a:endParaRPr lang="en-US" dirty="0">
+              <a:solidFill>
+                <a:schemeClr val="tx1"/>
+              </a:solidFill>
+            </a:endParaRPr>
+          </a:p>
+          <a:p>
+            <a:pPr marL="457200" indent="-457200">
+              <a:buClr>
+                <a:schemeClr val="tx1"/>
+              </a:buClr>
+              <a:buFont typeface="Arial" pitchFamily="34" charset="0"/>
+              <a:buChar char="•"/>
+            </a:pPr>
+            <a:r>
+              <a:rPr lang="en-US" dirty="0">
+                <a:solidFill>
+                  <a:schemeClr val="tx1"/>
+                </a:solidFill>
+              </a:rPr>
+              <a:t>Assessing Model Accuracy: Training MSE and Test MSE</a:t>
+            </a:r>
+          </a:p>
+          <a:p>
+            <a:pPr marL="457200" indent="-457200">
+              <a:buClr>
+                <a:schemeClr val="tx1"/>
+              </a:buClr>
+              <a:buFont typeface="Arial" pitchFamily="34" charset="0"/>
+              <a:buChar char="•"/>
+            </a:pPr>
+            <a:endParaRPr lang="en-US" dirty="0">
+              <a:solidFill>
+                <a:schemeClr val="tx1"/>
+              </a:solidFill>
+            </a:endParaRPr>
+          </a:p>
+          <a:p>
+            <a:pPr marL="457200" indent="-457200">
+              <a:buClr>
+                <a:schemeClr val="tx1"/>
+              </a:buClr>
+              <a:buFont typeface="Arial" pitchFamily="34" charset="0"/>
+              <a:buChar char="•"/>
+            </a:pPr>
+            <a:endParaRPr lang="en-US" dirty="0">
+              <a:solidFill>
+                <a:schemeClr val="tx1"/>
+              </a:solidFill>
+            </a:endParaRPr>
+          </a:p>
+          <a:p>
+            <a:pPr marL="457200" indent="-457200">
+              <a:buClr>
+                <a:schemeClr val="tx1"/>
+              </a:buClr>
+              <a:buFont typeface="Arial" pitchFamily="34" charset="0"/>
+              <a:buChar char="•"/>
+            </a:pPr>
+            <a:r>
+              <a:rPr lang="en-US" dirty="0">
+                <a:solidFill>
+                  <a:schemeClr val="tx1"/>
+                </a:solidFill>
+              </a:rPr>
+              <a:t>Bias-Variance Trade-off</a:t>
+            </a:r>
+          </a:p>
+        </p:txBody>
+      </p:sp>
+      <p:sp>
+        <p:nvSpPr>
+          <p:cNvPr id="4" name="Title 1">
+            <a:extLst>
+              <a:ext uri="{FF2B5EF4-FFF2-40B4-BE49-F238E27FC236}">
+                <a16:creationId xmlns:a16="http://schemas.microsoft.com/office/drawing/2014/main" id="{0BBE122D-F424-753C-B616-BBF8E4C7A496}"/>
+              </a:ext>
+            </a:extLst>
+          </p:cNvPr>
+          <p:cNvSpPr txBox="1">
+            <a:spLocks/>
+          </p:cNvSpPr>
+          <p:nvPr/>
+        </p:nvSpPr>
+        <p:spPr>
+          <a:xfrm>
+            <a:off x="248528" y="0"/>
+            <a:ext cx="7784124" cy="990600"/>
+          </a:xfrm>
+          <a:prstGeom prst="rect">
+            <a:avLst/>
+          </a:prstGeom>
+        </p:spPr>
+        <p:txBody>
+          <a:bodyPr>
+            <a:normAutofit/>
+          </a:bodyPr>
+          <a:lstStyle>
+            <a:lvl1pPr algn="l" defTabSz="457200" rtl="0" eaLnBrk="1" fontAlgn="base" hangingPunct="1">
+              <a:spcBef>
+                <a:spcPct val="0"/>
+              </a:spcBef>
+              <a:spcAft>
+                <a:spcPct val="0"/>
+              </a:spcAft>
+              <a:defRPr sz="3600" b="0" i="0" kern="1200" baseline="0">
+                <a:solidFill>
+                  <a:srgbClr val="18453B"/>
+                </a:solidFill>
+                <a:latin typeface="Gotham-Bold"/>
+                <a:ea typeface="ＭＳ Ｐゴシック" charset="-128"/>
+                <a:cs typeface="Gotham-Bold"/>
+              </a:defRPr>
+            </a:lvl1pPr>
+            <a:lvl2pPr algn="ctr" defTabSz="457200" rtl="0" eaLnBrk="1" fontAlgn="base" hangingPunct="1">
+              <a:spcBef>
+                <a:spcPct val="0"/>
+              </a:spcBef>
+              <a:spcAft>
+                <a:spcPct val="0"/>
+              </a:spcAft>
+              <a:defRPr sz="4400">
+                <a:solidFill>
+                  <a:schemeClr val="tx1"/>
+                </a:solidFill>
+                <a:latin typeface="Gotham Book" charset="0"/>
+                <a:ea typeface="ＭＳ Ｐゴシック" charset="-128"/>
+                <a:cs typeface="ＭＳ Ｐゴシック" charset="-128"/>
+              </a:defRPr>
+            </a:lvl2pPr>
+            <a:lvl3pPr algn="ctr" defTabSz="457200" rtl="0" eaLnBrk="1" fontAlgn="base" hangingPunct="1">
+              <a:spcBef>
+                <a:spcPct val="0"/>
+              </a:spcBef>
+              <a:spcAft>
+                <a:spcPct val="0"/>
+              </a:spcAft>
+              <a:defRPr sz="4400">
+                <a:solidFill>
+                  <a:schemeClr val="tx1"/>
+                </a:solidFill>
+                <a:latin typeface="Gotham Book" charset="0"/>
+                <a:ea typeface="ＭＳ Ｐゴシック" charset="-128"/>
+                <a:cs typeface="ＭＳ Ｐゴシック" charset="-128"/>
+              </a:defRPr>
+            </a:lvl3pPr>
+            <a:lvl4pPr algn="ctr" defTabSz="457200" rtl="0" eaLnBrk="1" fontAlgn="base" hangingPunct="1">
+              <a:spcBef>
+                <a:spcPct val="0"/>
+              </a:spcBef>
+              <a:spcAft>
+                <a:spcPct val="0"/>
+              </a:spcAft>
+              <a:defRPr sz="4400">
+                <a:solidFill>
+                  <a:schemeClr val="tx1"/>
+                </a:solidFill>
+                <a:latin typeface="Gotham Book" charset="0"/>
+                <a:ea typeface="ＭＳ Ｐゴシック" charset="-128"/>
+                <a:cs typeface="ＭＳ Ｐゴシック" charset="-128"/>
+              </a:defRPr>
+            </a:lvl4pPr>
+            <a:lvl5pPr algn="ctr" defTabSz="457200" rtl="0" eaLnBrk="1" fontAlgn="base" hangingPunct="1">
+              <a:spcBef>
+                <a:spcPct val="0"/>
+              </a:spcBef>
+              <a:spcAft>
+                <a:spcPct val="0"/>
+              </a:spcAft>
+              <a:defRPr sz="4400">
+                <a:solidFill>
+                  <a:schemeClr val="tx1"/>
+                </a:solidFill>
+                <a:latin typeface="Gotham Book" charset="0"/>
+                <a:ea typeface="ＭＳ Ｐゴシック" charset="-128"/>
+                <a:cs typeface="ＭＳ Ｐゴシック" charset="-128"/>
+              </a:defRPr>
+            </a:lvl5pPr>
+            <a:lvl6pPr marL="457200" algn="ctr" defTabSz="457200" rtl="0" eaLnBrk="1" fontAlgn="base" hangingPunct="1">
+              <a:spcBef>
+                <a:spcPct val="0"/>
+              </a:spcBef>
+              <a:spcAft>
+                <a:spcPct val="0"/>
+              </a:spcAft>
+              <a:defRPr sz="4400">
+                <a:solidFill>
+                  <a:schemeClr val="tx1"/>
+                </a:solidFill>
+                <a:latin typeface="Gotham Book" charset="0"/>
+                <a:ea typeface="ＭＳ Ｐゴシック" charset="-128"/>
+                <a:cs typeface="ＭＳ Ｐゴシック" charset="-128"/>
+              </a:defRPr>
+            </a:lvl6pPr>
+            <a:lvl7pPr marL="914400" algn="ctr" defTabSz="457200" rtl="0" eaLnBrk="1" fontAlgn="base" hangingPunct="1">
+              <a:spcBef>
+                <a:spcPct val="0"/>
+              </a:spcBef>
+              <a:spcAft>
+                <a:spcPct val="0"/>
+              </a:spcAft>
+              <a:defRPr sz="4400">
+                <a:solidFill>
+                  <a:schemeClr val="tx1"/>
+                </a:solidFill>
+                <a:latin typeface="Gotham Book" charset="0"/>
+                <a:ea typeface="ＭＳ Ｐゴシック" charset="-128"/>
+                <a:cs typeface="ＭＳ Ｐゴシック" charset="-128"/>
+              </a:defRPr>
+            </a:lvl7pPr>
+            <a:lvl8pPr marL="1371600" algn="ctr" defTabSz="457200" rtl="0" eaLnBrk="1" fontAlgn="base" hangingPunct="1">
+              <a:spcBef>
+                <a:spcPct val="0"/>
+              </a:spcBef>
+              <a:spcAft>
+                <a:spcPct val="0"/>
+              </a:spcAft>
+              <a:defRPr sz="4400">
+                <a:solidFill>
+                  <a:schemeClr val="tx1"/>
+                </a:solidFill>
+                <a:latin typeface="Gotham Book" charset="0"/>
+                <a:ea typeface="ＭＳ Ｐゴシック" charset="-128"/>
+                <a:cs typeface="ＭＳ Ｐゴシック" charset="-128"/>
+              </a:defRPr>
+            </a:lvl8pPr>
+            <a:lvl9pPr marL="1828800" algn="ctr" defTabSz="457200" rtl="0" eaLnBrk="1" fontAlgn="base" hangingPunct="1">
+              <a:spcBef>
+                <a:spcPct val="0"/>
+              </a:spcBef>
+              <a:spcAft>
+                <a:spcPct val="0"/>
+              </a:spcAft>
+              <a:defRPr sz="4400">
+                <a:solidFill>
+                  <a:schemeClr val="tx1"/>
+                </a:solidFill>
+                <a:latin typeface="Gotham Book" charset="0"/>
+                <a:ea typeface="ＭＳ Ｐゴシック" charset="-128"/>
+                <a:cs typeface="ＭＳ Ｐゴシック" charset="-128"/>
+              </a:defRPr>
+            </a:lvl9pPr>
+          </a:lstStyle>
+          <a:p>
+            <a:r>
+              <a:rPr lang="en-US" dirty="0">
+                <a:solidFill>
+                  <a:schemeClr val="bg1"/>
+                </a:solidFill>
+              </a:rPr>
+              <a:t>Recap</a:t>
+            </a:r>
+            <a:endParaRPr lang="en-US" sz="3500" dirty="0">
+              <a:solidFill>
+                <a:schemeClr val="bg1"/>
+              </a:solidFill>
+            </a:endParaRPr>
+          </a:p>
+        </p:txBody>
+      </p:sp>
+    </p:spTree>
+    <p:extLst>
+      <p:ext uri="{BB962C8B-B14F-4D97-AF65-F5344CB8AC3E}">
+        <p14:creationId xmlns:p14="http://schemas.microsoft.com/office/powerpoint/2010/main" val="697401256"/>
+      </p:ext>
+    </p:extLst>
+  </p:cSld>
+  <p:clrMapOvr>
+    <a:masterClrMapping/>
+  </p:clrMapOvr>
+  <p:timing>
+    <p:tnLst>
+      <p:par>
+        <p:cTn id="1" dur="indefinite" restart="never" nodeType="tmRoot">
+          <p:childTnLst>
+            <p:seq concurrent="1" nextAc="seek">
+              <p:cTn id="2" dur="indefinite" nodeType="mainSeq">
+                <p:childTnLst>
+                  <p:par>
+                    <p:cTn id="3" fill="hold">
+                      <p:stCondLst>
+                        <p:cond delay="indefinite"/>
+                      </p:stCondLst>
+                      <p:childTnLst>
+                        <p:par>
+                          <p:cTn id="4" fill="hold">
+                            <p:stCondLst>
+                              <p:cond delay="0"/>
+                            </p:stCondLst>
+                            <p:childTnLst>
+                              <p:par>
+                                <p:cTn id="5" presetID="10" presetClass="entr" presetSubtype="0" fill="hold" grpId="0" nodeType="clickEffect">
+                                  <p:stCondLst>
+                                    <p:cond delay="0"/>
+                                  </p:stCondLst>
+                                  <p:childTnLst>
+                                    <p:set>
+                                      <p:cBhvr>
+                                        <p:cTn id="6" dur="1" fill="hold">
+                                          <p:stCondLst>
+                                            <p:cond delay="0"/>
+                                          </p:stCondLst>
+                                        </p:cTn>
+                                        <p:tgtEl>
+                                          <p:spTgt spid="2">
+                                            <p:txEl>
+                                              <p:pRg st="0" end="0"/>
+                                            </p:txEl>
+                                          </p:spTgt>
+                                        </p:tgtEl>
+                                        <p:attrNameLst>
+                                          <p:attrName>style.visibility</p:attrName>
+                                        </p:attrNameLst>
+                                      </p:cBhvr>
+                                      <p:to>
+                                        <p:strVal val="visible"/>
+                                      </p:to>
+                                    </p:set>
+                                    <p:animEffect transition="in" filter="fade">
+                                      <p:cBhvr>
+                                        <p:cTn id="7" dur="500"/>
+                                        <p:tgtEl>
+                                          <p:spTgt spid="2">
+                                            <p:txEl>
+                                              <p:pRg st="0" end="0"/>
+                                            </p:txEl>
+                                          </p:spTgt>
+                                        </p:tgtEl>
+                                      </p:cBhvr>
+                                    </p:animEffect>
+                                  </p:childTnLst>
+                                </p:cTn>
+                              </p:par>
+                            </p:childTnLst>
+                          </p:cTn>
+                        </p:par>
+                      </p:childTnLst>
+                    </p:cTn>
+                  </p:par>
+                  <p:par>
+                    <p:cTn id="8" fill="hold">
+                      <p:stCondLst>
+                        <p:cond delay="indefinite"/>
+                      </p:stCondLst>
+                      <p:childTnLst>
+                        <p:par>
+                          <p:cTn id="9" fill="hold">
+                            <p:stCondLst>
+                              <p:cond delay="0"/>
+                            </p:stCondLst>
+                            <p:childTnLst>
+                              <p:par>
+                                <p:cTn id="10" presetID="10" presetClass="entr" presetSubtype="0" fill="hold" grpId="0" nodeType="clickEffect">
+                                  <p:stCondLst>
+                                    <p:cond delay="0"/>
+                                  </p:stCondLst>
+                                  <p:childTnLst>
+                                    <p:set>
+                                      <p:cBhvr>
+                                        <p:cTn id="11" dur="1" fill="hold">
+                                          <p:stCondLst>
+                                            <p:cond delay="0"/>
+                                          </p:stCondLst>
+                                        </p:cTn>
+                                        <p:tgtEl>
+                                          <p:spTgt spid="2">
+                                            <p:txEl>
+                                              <p:pRg st="2" end="2"/>
+                                            </p:txEl>
+                                          </p:spTgt>
+                                        </p:tgtEl>
+                                        <p:attrNameLst>
+                                          <p:attrName>style.visibility</p:attrName>
+                                        </p:attrNameLst>
+                                      </p:cBhvr>
+                                      <p:to>
+                                        <p:strVal val="visible"/>
+                                      </p:to>
+                                    </p:set>
+                                    <p:animEffect transition="in" filter="fade">
+                                      <p:cBhvr>
+                                        <p:cTn id="12" dur="500"/>
+                                        <p:tgtEl>
+                                          <p:spTgt spid="2">
+                                            <p:txEl>
+                                              <p:pRg st="2" end="2"/>
+                                            </p:txEl>
+                                          </p:spTgt>
+                                        </p:tgtEl>
+                                      </p:cBhvr>
+                                    </p:animEffect>
+                                  </p:childTnLst>
+                                </p:cTn>
+                              </p:par>
+                            </p:childTnLst>
+                          </p:cTn>
+                        </p:par>
+                      </p:childTnLst>
+                    </p:cTn>
+                  </p:par>
+                  <p:par>
+                    <p:cTn id="13" fill="hold">
+                      <p:stCondLst>
+                        <p:cond delay="indefinite"/>
+                      </p:stCondLst>
+                      <p:childTnLst>
+                        <p:par>
+                          <p:cTn id="14" fill="hold">
+                            <p:stCondLst>
+                              <p:cond delay="0"/>
+                            </p:stCondLst>
+                            <p:childTnLst>
+                              <p:par>
+                                <p:cTn id="15" presetID="10" presetClass="entr" presetSubtype="0" fill="hold" grpId="0" nodeType="clickEffect">
+                                  <p:stCondLst>
+                                    <p:cond delay="0"/>
+                                  </p:stCondLst>
+                                  <p:childTnLst>
+                                    <p:set>
+                                      <p:cBhvr>
+                                        <p:cTn id="16" dur="1" fill="hold">
+                                          <p:stCondLst>
+                                            <p:cond delay="0"/>
+                                          </p:stCondLst>
+                                        </p:cTn>
+                                        <p:tgtEl>
+                                          <p:spTgt spid="2">
+                                            <p:txEl>
+                                              <p:pRg st="5" end="5"/>
+                                            </p:txEl>
+                                          </p:spTgt>
+                                        </p:tgtEl>
+                                        <p:attrNameLst>
+                                          <p:attrName>style.visibility</p:attrName>
+                                        </p:attrNameLst>
+                                      </p:cBhvr>
+                                      <p:to>
+                                        <p:strVal val="visible"/>
+                                      </p:to>
+                                    </p:set>
+                                    <p:animEffect transition="in" filter="fade">
+                                      <p:cBhvr>
+                                        <p:cTn id="17" dur="500"/>
+                                        <p:tgtEl>
+                                          <p:spTgt spid="2">
+                                            <p:txEl>
+                                              <p:pRg st="5" end="5"/>
+                                            </p:txEl>
+                                          </p:spTgt>
+                                        </p:tgtEl>
+                                      </p:cBhvr>
+                                    </p:animEffect>
+                                  </p:childTnLst>
+                                </p:cTn>
+                              </p:par>
+                            </p:childTnLst>
+                          </p:cTn>
+                        </p:par>
+                      </p:childTnLst>
+                    </p:cTn>
+                  </p:par>
+                </p:childTnLst>
+              </p:cTn>
+              <p:prevCondLst>
+                <p:cond evt="onPrev" delay="0">
+                  <p:tgtEl>
+                    <p:sldTgt/>
+                  </p:tgtEl>
+                </p:cond>
+              </p:prevCondLst>
+              <p:nextCondLst>
+                <p:cond evt="onNext" delay="0">
+                  <p:tgtEl>
+                    <p:sldTgt/>
+                  </p:tgtEl>
+                </p:cond>
+              </p:nextCondLst>
+            </p:seq>
+          </p:childTnLst>
+        </p:cTn>
+      </p:par>
+    </p:tnLst>
+    <p:bldLst>
+      <p:bldP spid="2" grpId="0" build="p"/>
+    </p:bldLst>
+  </p:timing>
+</p:sld>
+</file>
+
+<file path=ppt/slides/slide20.xml><?xml version="1.0" encoding="utf-8"?>
 <p:sld xmlns:a="http://schemas.openxmlformats.org/drawingml/2006/main" xmlns:r="http://schemas.openxmlformats.org/officeDocument/2006/relationships" xmlns:p="http://schemas.openxmlformats.org/presentationml/2006/main">
   <p:cSld>
     <p:spTree>
@@ -12916,834 +13879,7 @@
 </p:sld>
 </file>
 
-<file path=ppt/slides/slide2.xml><?xml version="1.0" encoding="utf-8"?>
-<p:sld xmlns:a="http://schemas.openxmlformats.org/drawingml/2006/main" xmlns:r="http://schemas.openxmlformats.org/officeDocument/2006/relationships" xmlns:p="http://schemas.openxmlformats.org/presentationml/2006/main">
-  <p:cSld>
-    <p:spTree>
-      <p:nvGrpSpPr>
-        <p:cNvPr id="1" name=""/>
-        <p:cNvGrpSpPr/>
-        <p:nvPr/>
-      </p:nvGrpSpPr>
-      <p:grpSpPr>
-        <a:xfrm>
-          <a:off x="0" y="0"/>
-          <a:ext cx="0" cy="0"/>
-          <a:chOff x="0" y="0"/>
-          <a:chExt cx="0" cy="0"/>
-        </a:xfrm>
-      </p:grpSpPr>
-      <p:pic>
-        <p:nvPicPr>
-          <p:cNvPr id="5" name="Picture 2" descr="http://cabs.msu.edu/toolkit/images/helmet/gif/Spartan-helmet-Green-150-pxls.gif"/>
-          <p:cNvPicPr>
-            <a:picLocks noChangeAspect="1" noChangeArrowheads="1"/>
-          </p:cNvPicPr>
-          <p:nvPr/>
-        </p:nvPicPr>
-        <p:blipFill>
-          <a:blip r:embed="rId3">
-            <a:extLst>
-              <a:ext uri="{28A0092B-C50C-407E-A947-70E740481C1C}">
-                <a14:useLocalDpi xmlns:a14="http://schemas.microsoft.com/office/drawing/2010/main" val="0"/>
-              </a:ext>
-            </a:extLst>
-          </a:blip>
-          <a:srcRect/>
-          <a:stretch>
-            <a:fillRect/>
-          </a:stretch>
-        </p:blipFill>
-        <p:spPr bwMode="auto">
-          <a:xfrm>
-            <a:off x="328864" y="6382302"/>
-            <a:ext cx="289446" cy="333534"/>
-          </a:xfrm>
-          <a:prstGeom prst="rect">
-            <a:avLst/>
-          </a:prstGeom>
-          <a:noFill/>
-          <a:extLst>
-            <a:ext uri="{909E8E84-426E-40dd-AFC4-6F175D3DCCD1}">
-              <a14:hiddenFill xmlns:a14="http://schemas.microsoft.com/office/drawing/2010/main" xmlns="">
-                <a:solidFill>
-                  <a:srgbClr val="FFFFFF"/>
-                </a:solidFill>
-              </a14:hiddenFill>
-            </a:ext>
-          </a:extLst>
-        </p:spPr>
-      </p:pic>
-      <p:pic>
-        <p:nvPicPr>
-          <p:cNvPr id="6" name="Picture 4" descr="http://brand.msu.edu/_files/images/spartans-will.png"/>
-          <p:cNvPicPr>
-            <a:picLocks noChangeAspect="1" noChangeArrowheads="1"/>
-          </p:cNvPicPr>
-          <p:nvPr/>
-        </p:nvPicPr>
-        <p:blipFill>
-          <a:blip r:embed="rId4">
-            <a:extLst>
-              <a:ext uri="{28A0092B-C50C-407E-A947-70E740481C1C}">
-                <a14:useLocalDpi xmlns:a14="http://schemas.microsoft.com/office/drawing/2010/main" val="0"/>
-              </a:ext>
-            </a:extLst>
-          </a:blip>
-          <a:srcRect/>
-          <a:stretch>
-            <a:fillRect/>
-          </a:stretch>
-        </p:blipFill>
-        <p:spPr bwMode="auto">
-          <a:xfrm>
-            <a:off x="737173" y="6477963"/>
-            <a:ext cx="1716967" cy="142211"/>
-          </a:xfrm>
-          <a:prstGeom prst="rect">
-            <a:avLst/>
-          </a:prstGeom>
-          <a:noFill/>
-          <a:extLst>
-            <a:ext uri="{909E8E84-426E-40dd-AFC4-6F175D3DCCD1}">
-              <a14:hiddenFill xmlns:a14="http://schemas.microsoft.com/office/drawing/2010/main" xmlns="">
-                <a:solidFill>
-                  <a:srgbClr val="FFFFFF"/>
-                </a:solidFill>
-              </a14:hiddenFill>
-            </a:ext>
-          </a:extLst>
-        </p:spPr>
-      </p:pic>
-      <p:sp>
-        <p:nvSpPr>
-          <p:cNvPr id="2" name="Subtitle 2">
-            <a:extLst>
-              <a:ext uri="{FF2B5EF4-FFF2-40B4-BE49-F238E27FC236}">
-                <a16:creationId xmlns:a16="http://schemas.microsoft.com/office/drawing/2014/main" id="{D21E2972-E870-5B05-F627-3932740E265F}"/>
-              </a:ext>
-            </a:extLst>
-          </p:cNvPr>
-          <p:cNvSpPr txBox="1">
-            <a:spLocks/>
-          </p:cNvSpPr>
-          <p:nvPr/>
-        </p:nvSpPr>
-        <p:spPr>
-          <a:xfrm>
-            <a:off x="248528" y="1227992"/>
-            <a:ext cx="8229600" cy="2201008"/>
-          </a:xfrm>
-          <a:prstGeom prst="rect">
-            <a:avLst/>
-          </a:prstGeom>
-        </p:spPr>
-        <p:txBody>
-          <a:bodyPr>
-            <a:normAutofit fontScale="77500" lnSpcReduction="20000"/>
-          </a:bodyPr>
-          <a:lstStyle>
-            <a:lvl1pPr marL="342900" indent="-342900" algn="l" defTabSz="457200" rtl="0" eaLnBrk="1" fontAlgn="base" hangingPunct="1">
-              <a:spcBef>
-                <a:spcPct val="20000"/>
-              </a:spcBef>
-              <a:spcAft>
-                <a:spcPct val="0"/>
-              </a:spcAft>
-              <a:buClr>
-                <a:srgbClr val="18453B"/>
-              </a:buClr>
-              <a:buFont typeface="Arial"/>
-              <a:buChar char="•"/>
-              <a:defRPr sz="2800" b="0" i="0" kern="1200">
-                <a:solidFill>
-                  <a:srgbClr val="595959"/>
-                </a:solidFill>
-                <a:latin typeface="Gotham Book"/>
-                <a:ea typeface="ＭＳ Ｐゴシック" charset="-128"/>
-                <a:cs typeface="Gotham Book"/>
-              </a:defRPr>
-            </a:lvl1pPr>
-            <a:lvl2pPr marL="742950" indent="-285750" algn="l" defTabSz="457200" rtl="0" eaLnBrk="1" fontAlgn="base" hangingPunct="1">
-              <a:spcBef>
-                <a:spcPct val="20000"/>
-              </a:spcBef>
-              <a:spcAft>
-                <a:spcPct val="0"/>
-              </a:spcAft>
-              <a:buClr>
-                <a:schemeClr val="tx1">
-                  <a:lumMod val="75000"/>
-                  <a:lumOff val="25000"/>
-                </a:schemeClr>
-              </a:buClr>
-              <a:buSzPct val="85000"/>
-              <a:buFont typeface="Arial"/>
-              <a:buChar char="•"/>
-              <a:defRPr sz="2400" b="0" i="0" kern="1200">
-                <a:solidFill>
-                  <a:srgbClr val="595959"/>
-                </a:solidFill>
-                <a:latin typeface="Gotham Book"/>
-                <a:ea typeface="ＭＳ Ｐゴシック" charset="-128"/>
-                <a:cs typeface="Gotham Book"/>
-              </a:defRPr>
-            </a:lvl2pPr>
-            <a:lvl3pPr marL="1143000" indent="-228600" algn="l" defTabSz="457200" rtl="0" eaLnBrk="1" fontAlgn="base" hangingPunct="1">
-              <a:spcBef>
-                <a:spcPct val="20000"/>
-              </a:spcBef>
-              <a:spcAft>
-                <a:spcPct val="0"/>
-              </a:spcAft>
-              <a:buClr>
-                <a:schemeClr val="tx1">
-                  <a:lumMod val="75000"/>
-                  <a:lumOff val="25000"/>
-                </a:schemeClr>
-              </a:buClr>
-              <a:buFont typeface="Arial" charset="0"/>
-              <a:buChar char="•"/>
-              <a:defRPr sz="2000" b="0" i="0" kern="1200">
-                <a:solidFill>
-                  <a:schemeClr val="tx1">
-                    <a:lumMod val="75000"/>
-                    <a:lumOff val="25000"/>
-                  </a:schemeClr>
-                </a:solidFill>
-                <a:latin typeface="Gotham Book"/>
-                <a:ea typeface="ＭＳ Ｐゴシック" charset="-128"/>
-                <a:cs typeface="Gotham Book"/>
-              </a:defRPr>
-            </a:lvl3pPr>
-            <a:lvl4pPr marL="1600200" indent="-228600" algn="l" defTabSz="457200" rtl="0" eaLnBrk="1" fontAlgn="base" hangingPunct="1">
-              <a:spcBef>
-                <a:spcPct val="20000"/>
-              </a:spcBef>
-              <a:spcAft>
-                <a:spcPct val="0"/>
-              </a:spcAft>
-              <a:buFont typeface="Arial" charset="0"/>
-              <a:buChar char="–"/>
-              <a:defRPr sz="2000" b="0" i="0" kern="1200">
-                <a:solidFill>
-                  <a:schemeClr val="tx1"/>
-                </a:solidFill>
-                <a:latin typeface="Gotham Book"/>
-                <a:ea typeface="ＭＳ Ｐゴシック" charset="-128"/>
-                <a:cs typeface="Gotham Book"/>
-              </a:defRPr>
-            </a:lvl4pPr>
-            <a:lvl5pPr marL="2057400" indent="-228600" algn="l" defTabSz="457200" rtl="0" eaLnBrk="1" fontAlgn="base" hangingPunct="1">
-              <a:spcBef>
-                <a:spcPct val="20000"/>
-              </a:spcBef>
-              <a:spcAft>
-                <a:spcPct val="0"/>
-              </a:spcAft>
-              <a:buFont typeface="Arial" charset="0"/>
-              <a:buChar char="»"/>
-              <a:defRPr sz="2000" b="0" i="0" kern="1200">
-                <a:solidFill>
-                  <a:schemeClr val="tx1"/>
-                </a:solidFill>
-                <a:latin typeface="Gotham Book"/>
-                <a:ea typeface="ＭＳ Ｐゴシック" charset="-128"/>
-                <a:cs typeface="Gotham Book"/>
-              </a:defRPr>
-            </a:lvl5pPr>
-            <a:lvl6pPr marL="2514600" indent="-228600" algn="l" defTabSz="457200" rtl="0" eaLnBrk="1" latinLnBrk="0" hangingPunct="1">
-              <a:spcBef>
-                <a:spcPct val="20000"/>
-              </a:spcBef>
-              <a:buFont typeface="Arial"/>
-              <a:buChar char="•"/>
-              <a:defRPr sz="2000" kern="1200">
-                <a:solidFill>
-                  <a:schemeClr val="tx1"/>
-                </a:solidFill>
-                <a:latin typeface="+mn-lt"/>
-                <a:ea typeface="+mn-ea"/>
-                <a:cs typeface="+mn-cs"/>
-              </a:defRPr>
-            </a:lvl6pPr>
-            <a:lvl7pPr marL="2971800" indent="-228600" algn="l" defTabSz="457200" rtl="0" eaLnBrk="1" latinLnBrk="0" hangingPunct="1">
-              <a:spcBef>
-                <a:spcPct val="20000"/>
-              </a:spcBef>
-              <a:buFont typeface="Arial"/>
-              <a:buChar char="•"/>
-              <a:defRPr sz="2000" kern="1200">
-                <a:solidFill>
-                  <a:schemeClr val="tx1"/>
-                </a:solidFill>
-                <a:latin typeface="+mn-lt"/>
-                <a:ea typeface="+mn-ea"/>
-                <a:cs typeface="+mn-cs"/>
-              </a:defRPr>
-            </a:lvl7pPr>
-            <a:lvl8pPr marL="3429000" indent="-228600" algn="l" defTabSz="457200" rtl="0" eaLnBrk="1" latinLnBrk="0" hangingPunct="1">
-              <a:spcBef>
-                <a:spcPct val="20000"/>
-              </a:spcBef>
-              <a:buFont typeface="Arial"/>
-              <a:buChar char="•"/>
-              <a:defRPr sz="2000" kern="1200">
-                <a:solidFill>
-                  <a:schemeClr val="tx1"/>
-                </a:solidFill>
-                <a:latin typeface="+mn-lt"/>
-                <a:ea typeface="+mn-ea"/>
-                <a:cs typeface="+mn-cs"/>
-              </a:defRPr>
-            </a:lvl8pPr>
-            <a:lvl9pPr marL="3886200" indent="-228600" algn="l" defTabSz="457200" rtl="0" eaLnBrk="1" latinLnBrk="0" hangingPunct="1">
-              <a:spcBef>
-                <a:spcPct val="20000"/>
-              </a:spcBef>
-              <a:buFont typeface="Arial"/>
-              <a:buChar char="•"/>
-              <a:defRPr sz="2000" kern="1200">
-                <a:solidFill>
-                  <a:schemeClr val="tx1"/>
-                </a:solidFill>
-                <a:latin typeface="+mn-lt"/>
-                <a:ea typeface="+mn-ea"/>
-                <a:cs typeface="+mn-cs"/>
-              </a:defRPr>
-            </a:lvl9pPr>
-          </a:lstStyle>
-          <a:p>
-            <a:pPr marL="457200" indent="-457200">
-              <a:buClr>
-                <a:schemeClr val="tx1"/>
-              </a:buClr>
-              <a:buFont typeface="Arial" pitchFamily="34" charset="0"/>
-              <a:buChar char="•"/>
-            </a:pPr>
-            <a:r>
-              <a:rPr lang="en-US" dirty="0">
-                <a:solidFill>
-                  <a:schemeClr val="tx1"/>
-                </a:solidFill>
-              </a:rPr>
-              <a:t>Estimating </a:t>
-            </a:r>
-            <a:r>
-              <a:rPr lang="en-US" i="1" dirty="0">
-                <a:solidFill>
-                  <a:schemeClr val="tx1"/>
-                </a:solidFill>
-              </a:rPr>
-              <a:t>f</a:t>
-            </a:r>
-            <a:r>
-              <a:rPr lang="en-US" dirty="0">
-                <a:solidFill>
-                  <a:schemeClr val="tx1"/>
-                </a:solidFill>
-              </a:rPr>
-              <a:t>: non-parametric vs parametric</a:t>
-            </a:r>
-          </a:p>
-          <a:p>
-            <a:pPr marL="457200" indent="-457200">
-              <a:buClr>
-                <a:schemeClr val="tx1"/>
-              </a:buClr>
-              <a:buFont typeface="Arial" pitchFamily="34" charset="0"/>
-              <a:buChar char="•"/>
-            </a:pPr>
-            <a:endParaRPr lang="en-US" dirty="0">
-              <a:solidFill>
-                <a:schemeClr val="tx1"/>
-              </a:solidFill>
-            </a:endParaRPr>
-          </a:p>
-          <a:p>
-            <a:pPr marL="457200" indent="-457200">
-              <a:buClr>
-                <a:schemeClr val="tx1"/>
-              </a:buClr>
-              <a:buFont typeface="Arial" pitchFamily="34" charset="0"/>
-              <a:buChar char="•"/>
-            </a:pPr>
-            <a:r>
-              <a:rPr lang="en-US" dirty="0">
-                <a:solidFill>
-                  <a:schemeClr val="tx1"/>
-                </a:solidFill>
-              </a:rPr>
-              <a:t>Assessing Model Accuracy: Training MSE and Test MSE</a:t>
-            </a:r>
-          </a:p>
-          <a:p>
-            <a:pPr marL="457200" indent="-457200">
-              <a:buClr>
-                <a:schemeClr val="tx1"/>
-              </a:buClr>
-              <a:buFont typeface="Arial" pitchFamily="34" charset="0"/>
-              <a:buChar char="•"/>
-            </a:pPr>
-            <a:endParaRPr lang="en-US" dirty="0">
-              <a:solidFill>
-                <a:schemeClr val="tx1"/>
-              </a:solidFill>
-            </a:endParaRPr>
-          </a:p>
-          <a:p>
-            <a:pPr marL="457200" indent="-457200">
-              <a:buClr>
-                <a:schemeClr val="tx1"/>
-              </a:buClr>
-              <a:buFont typeface="Arial" pitchFamily="34" charset="0"/>
-              <a:buChar char="•"/>
-            </a:pPr>
-            <a:endParaRPr lang="en-US" dirty="0">
-              <a:solidFill>
-                <a:schemeClr val="tx1"/>
-              </a:solidFill>
-            </a:endParaRPr>
-          </a:p>
-          <a:p>
-            <a:pPr marL="457200" indent="-457200">
-              <a:buClr>
-                <a:schemeClr val="tx1"/>
-              </a:buClr>
-              <a:buFont typeface="Arial" pitchFamily="34" charset="0"/>
-              <a:buChar char="•"/>
-            </a:pPr>
-            <a:r>
-              <a:rPr lang="en-US" dirty="0">
-                <a:solidFill>
-                  <a:schemeClr val="tx1"/>
-                </a:solidFill>
-              </a:rPr>
-              <a:t>Bias-Variance Trade-off</a:t>
-            </a:r>
-          </a:p>
-        </p:txBody>
-      </p:sp>
-      <p:sp>
-        <p:nvSpPr>
-          <p:cNvPr id="4" name="Title 1">
-            <a:extLst>
-              <a:ext uri="{FF2B5EF4-FFF2-40B4-BE49-F238E27FC236}">
-                <a16:creationId xmlns:a16="http://schemas.microsoft.com/office/drawing/2014/main" id="{0BBE122D-F424-753C-B616-BBF8E4C7A496}"/>
-              </a:ext>
-            </a:extLst>
-          </p:cNvPr>
-          <p:cNvSpPr txBox="1">
-            <a:spLocks/>
-          </p:cNvSpPr>
-          <p:nvPr/>
-        </p:nvSpPr>
-        <p:spPr>
-          <a:xfrm>
-            <a:off x="248528" y="0"/>
-            <a:ext cx="7784124" cy="990600"/>
-          </a:xfrm>
-          <a:prstGeom prst="rect">
-            <a:avLst/>
-          </a:prstGeom>
-        </p:spPr>
-        <p:txBody>
-          <a:bodyPr>
-            <a:normAutofit/>
-          </a:bodyPr>
-          <a:lstStyle>
-            <a:lvl1pPr algn="l" defTabSz="457200" rtl="0" eaLnBrk="1" fontAlgn="base" hangingPunct="1">
-              <a:spcBef>
-                <a:spcPct val="0"/>
-              </a:spcBef>
-              <a:spcAft>
-                <a:spcPct val="0"/>
-              </a:spcAft>
-              <a:defRPr sz="3600" b="0" i="0" kern="1200" baseline="0">
-                <a:solidFill>
-                  <a:srgbClr val="18453B"/>
-                </a:solidFill>
-                <a:latin typeface="Gotham-Bold"/>
-                <a:ea typeface="ＭＳ Ｐゴシック" charset="-128"/>
-                <a:cs typeface="Gotham-Bold"/>
-              </a:defRPr>
-            </a:lvl1pPr>
-            <a:lvl2pPr algn="ctr" defTabSz="457200" rtl="0" eaLnBrk="1" fontAlgn="base" hangingPunct="1">
-              <a:spcBef>
-                <a:spcPct val="0"/>
-              </a:spcBef>
-              <a:spcAft>
-                <a:spcPct val="0"/>
-              </a:spcAft>
-              <a:defRPr sz="4400">
-                <a:solidFill>
-                  <a:schemeClr val="tx1"/>
-                </a:solidFill>
-                <a:latin typeface="Gotham Book" charset="0"/>
-                <a:ea typeface="ＭＳ Ｐゴシック" charset="-128"/>
-                <a:cs typeface="ＭＳ Ｐゴシック" charset="-128"/>
-              </a:defRPr>
-            </a:lvl2pPr>
-            <a:lvl3pPr algn="ctr" defTabSz="457200" rtl="0" eaLnBrk="1" fontAlgn="base" hangingPunct="1">
-              <a:spcBef>
-                <a:spcPct val="0"/>
-              </a:spcBef>
-              <a:spcAft>
-                <a:spcPct val="0"/>
-              </a:spcAft>
-              <a:defRPr sz="4400">
-                <a:solidFill>
-                  <a:schemeClr val="tx1"/>
-                </a:solidFill>
-                <a:latin typeface="Gotham Book" charset="0"/>
-                <a:ea typeface="ＭＳ Ｐゴシック" charset="-128"/>
-                <a:cs typeface="ＭＳ Ｐゴシック" charset="-128"/>
-              </a:defRPr>
-            </a:lvl3pPr>
-            <a:lvl4pPr algn="ctr" defTabSz="457200" rtl="0" eaLnBrk="1" fontAlgn="base" hangingPunct="1">
-              <a:spcBef>
-                <a:spcPct val="0"/>
-              </a:spcBef>
-              <a:spcAft>
-                <a:spcPct val="0"/>
-              </a:spcAft>
-              <a:defRPr sz="4400">
-                <a:solidFill>
-                  <a:schemeClr val="tx1"/>
-                </a:solidFill>
-                <a:latin typeface="Gotham Book" charset="0"/>
-                <a:ea typeface="ＭＳ Ｐゴシック" charset="-128"/>
-                <a:cs typeface="ＭＳ Ｐゴシック" charset="-128"/>
-              </a:defRPr>
-            </a:lvl4pPr>
-            <a:lvl5pPr algn="ctr" defTabSz="457200" rtl="0" eaLnBrk="1" fontAlgn="base" hangingPunct="1">
-              <a:spcBef>
-                <a:spcPct val="0"/>
-              </a:spcBef>
-              <a:spcAft>
-                <a:spcPct val="0"/>
-              </a:spcAft>
-              <a:defRPr sz="4400">
-                <a:solidFill>
-                  <a:schemeClr val="tx1"/>
-                </a:solidFill>
-                <a:latin typeface="Gotham Book" charset="0"/>
-                <a:ea typeface="ＭＳ Ｐゴシック" charset="-128"/>
-                <a:cs typeface="ＭＳ Ｐゴシック" charset="-128"/>
-              </a:defRPr>
-            </a:lvl5pPr>
-            <a:lvl6pPr marL="457200" algn="ctr" defTabSz="457200" rtl="0" eaLnBrk="1" fontAlgn="base" hangingPunct="1">
-              <a:spcBef>
-                <a:spcPct val="0"/>
-              </a:spcBef>
-              <a:spcAft>
-                <a:spcPct val="0"/>
-              </a:spcAft>
-              <a:defRPr sz="4400">
-                <a:solidFill>
-                  <a:schemeClr val="tx1"/>
-                </a:solidFill>
-                <a:latin typeface="Gotham Book" charset="0"/>
-                <a:ea typeface="ＭＳ Ｐゴシック" charset="-128"/>
-                <a:cs typeface="ＭＳ Ｐゴシック" charset="-128"/>
-              </a:defRPr>
-            </a:lvl6pPr>
-            <a:lvl7pPr marL="914400" algn="ctr" defTabSz="457200" rtl="0" eaLnBrk="1" fontAlgn="base" hangingPunct="1">
-              <a:spcBef>
-                <a:spcPct val="0"/>
-              </a:spcBef>
-              <a:spcAft>
-                <a:spcPct val="0"/>
-              </a:spcAft>
-              <a:defRPr sz="4400">
-                <a:solidFill>
-                  <a:schemeClr val="tx1"/>
-                </a:solidFill>
-                <a:latin typeface="Gotham Book" charset="0"/>
-                <a:ea typeface="ＭＳ Ｐゴシック" charset="-128"/>
-                <a:cs typeface="ＭＳ Ｐゴシック" charset="-128"/>
-              </a:defRPr>
-            </a:lvl7pPr>
-            <a:lvl8pPr marL="1371600" algn="ctr" defTabSz="457200" rtl="0" eaLnBrk="1" fontAlgn="base" hangingPunct="1">
-              <a:spcBef>
-                <a:spcPct val="0"/>
-              </a:spcBef>
-              <a:spcAft>
-                <a:spcPct val="0"/>
-              </a:spcAft>
-              <a:defRPr sz="4400">
-                <a:solidFill>
-                  <a:schemeClr val="tx1"/>
-                </a:solidFill>
-                <a:latin typeface="Gotham Book" charset="0"/>
-                <a:ea typeface="ＭＳ Ｐゴシック" charset="-128"/>
-                <a:cs typeface="ＭＳ Ｐゴシック" charset="-128"/>
-              </a:defRPr>
-            </a:lvl8pPr>
-            <a:lvl9pPr marL="1828800" algn="ctr" defTabSz="457200" rtl="0" eaLnBrk="1" fontAlgn="base" hangingPunct="1">
-              <a:spcBef>
-                <a:spcPct val="0"/>
-              </a:spcBef>
-              <a:spcAft>
-                <a:spcPct val="0"/>
-              </a:spcAft>
-              <a:defRPr sz="4400">
-                <a:solidFill>
-                  <a:schemeClr val="tx1"/>
-                </a:solidFill>
-                <a:latin typeface="Gotham Book" charset="0"/>
-                <a:ea typeface="ＭＳ Ｐゴシック" charset="-128"/>
-                <a:cs typeface="ＭＳ Ｐゴシック" charset="-128"/>
-              </a:defRPr>
-            </a:lvl9pPr>
-          </a:lstStyle>
-          <a:p>
-            <a:r>
-              <a:rPr lang="en-US" dirty="0">
-                <a:solidFill>
-                  <a:schemeClr val="bg1"/>
-                </a:solidFill>
-              </a:rPr>
-              <a:t>Recap</a:t>
-            </a:r>
-            <a:endParaRPr lang="en-US" sz="3500" dirty="0">
-              <a:solidFill>
-                <a:schemeClr val="bg1"/>
-              </a:solidFill>
-            </a:endParaRPr>
-          </a:p>
-        </p:txBody>
-      </p:sp>
-    </p:spTree>
-    <p:extLst>
-      <p:ext uri="{BB962C8B-B14F-4D97-AF65-F5344CB8AC3E}">
-        <p14:creationId xmlns:p14="http://schemas.microsoft.com/office/powerpoint/2010/main" val="697401256"/>
-      </p:ext>
-    </p:extLst>
-  </p:cSld>
-  <p:clrMapOvr>
-    <a:masterClrMapping/>
-  </p:clrMapOvr>
-  <p:timing>
-    <p:tnLst>
-      <p:par>
-        <p:cTn id="1" dur="indefinite" restart="never" nodeType="tmRoot">
-          <p:childTnLst>
-            <p:seq concurrent="1" nextAc="seek">
-              <p:cTn id="2" dur="indefinite" nodeType="mainSeq">
-                <p:childTnLst>
-                  <p:par>
-                    <p:cTn id="3" fill="hold">
-                      <p:stCondLst>
-                        <p:cond delay="indefinite"/>
-                      </p:stCondLst>
-                      <p:childTnLst>
-                        <p:par>
-                          <p:cTn id="4" fill="hold">
-                            <p:stCondLst>
-                              <p:cond delay="0"/>
-                            </p:stCondLst>
-                            <p:childTnLst>
-                              <p:par>
-                                <p:cTn id="5" presetID="10" presetClass="entr" presetSubtype="0" fill="hold" grpId="0" nodeType="clickEffect">
-                                  <p:stCondLst>
-                                    <p:cond delay="0"/>
-                                  </p:stCondLst>
-                                  <p:childTnLst>
-                                    <p:set>
-                                      <p:cBhvr>
-                                        <p:cTn id="6" dur="1" fill="hold">
-                                          <p:stCondLst>
-                                            <p:cond delay="0"/>
-                                          </p:stCondLst>
-                                        </p:cTn>
-                                        <p:tgtEl>
-                                          <p:spTgt spid="2">
-                                            <p:txEl>
-                                              <p:pRg st="0" end="0"/>
-                                            </p:txEl>
-                                          </p:spTgt>
-                                        </p:tgtEl>
-                                        <p:attrNameLst>
-                                          <p:attrName>style.visibility</p:attrName>
-                                        </p:attrNameLst>
-                                      </p:cBhvr>
-                                      <p:to>
-                                        <p:strVal val="visible"/>
-                                      </p:to>
-                                    </p:set>
-                                    <p:animEffect transition="in" filter="fade">
-                                      <p:cBhvr>
-                                        <p:cTn id="7" dur="500"/>
-                                        <p:tgtEl>
-                                          <p:spTgt spid="2">
-                                            <p:txEl>
-                                              <p:pRg st="0" end="0"/>
-                                            </p:txEl>
-                                          </p:spTgt>
-                                        </p:tgtEl>
-                                      </p:cBhvr>
-                                    </p:animEffect>
-                                  </p:childTnLst>
-                                </p:cTn>
-                              </p:par>
-                            </p:childTnLst>
-                          </p:cTn>
-                        </p:par>
-                      </p:childTnLst>
-                    </p:cTn>
-                  </p:par>
-                  <p:par>
-                    <p:cTn id="8" fill="hold">
-                      <p:stCondLst>
-                        <p:cond delay="indefinite"/>
-                      </p:stCondLst>
-                      <p:childTnLst>
-                        <p:par>
-                          <p:cTn id="9" fill="hold">
-                            <p:stCondLst>
-                              <p:cond delay="0"/>
-                            </p:stCondLst>
-                            <p:childTnLst>
-                              <p:par>
-                                <p:cTn id="10" presetID="10" presetClass="entr" presetSubtype="0" fill="hold" grpId="0" nodeType="clickEffect">
-                                  <p:stCondLst>
-                                    <p:cond delay="0"/>
-                                  </p:stCondLst>
-                                  <p:childTnLst>
-                                    <p:set>
-                                      <p:cBhvr>
-                                        <p:cTn id="11" dur="1" fill="hold">
-                                          <p:stCondLst>
-                                            <p:cond delay="0"/>
-                                          </p:stCondLst>
-                                        </p:cTn>
-                                        <p:tgtEl>
-                                          <p:spTgt spid="2">
-                                            <p:txEl>
-                                              <p:pRg st="2" end="2"/>
-                                            </p:txEl>
-                                          </p:spTgt>
-                                        </p:tgtEl>
-                                        <p:attrNameLst>
-                                          <p:attrName>style.visibility</p:attrName>
-                                        </p:attrNameLst>
-                                      </p:cBhvr>
-                                      <p:to>
-                                        <p:strVal val="visible"/>
-                                      </p:to>
-                                    </p:set>
-                                    <p:animEffect transition="in" filter="fade">
-                                      <p:cBhvr>
-                                        <p:cTn id="12" dur="500"/>
-                                        <p:tgtEl>
-                                          <p:spTgt spid="2">
-                                            <p:txEl>
-                                              <p:pRg st="2" end="2"/>
-                                            </p:txEl>
-                                          </p:spTgt>
-                                        </p:tgtEl>
-                                      </p:cBhvr>
-                                    </p:animEffect>
-                                  </p:childTnLst>
-                                </p:cTn>
-                              </p:par>
-                            </p:childTnLst>
-                          </p:cTn>
-                        </p:par>
-                      </p:childTnLst>
-                    </p:cTn>
-                  </p:par>
-                  <p:par>
-                    <p:cTn id="13" fill="hold">
-                      <p:stCondLst>
-                        <p:cond delay="indefinite"/>
-                      </p:stCondLst>
-                      <p:childTnLst>
-                        <p:par>
-                          <p:cTn id="14" fill="hold">
-                            <p:stCondLst>
-                              <p:cond delay="0"/>
-                            </p:stCondLst>
-                            <p:childTnLst>
-                              <p:par>
-                                <p:cTn id="15" presetID="10" presetClass="entr" presetSubtype="0" fill="hold" grpId="0" nodeType="clickEffect">
-                                  <p:stCondLst>
-                                    <p:cond delay="0"/>
-                                  </p:stCondLst>
-                                  <p:childTnLst>
-                                    <p:set>
-                                      <p:cBhvr>
-                                        <p:cTn id="16" dur="1" fill="hold">
-                                          <p:stCondLst>
-                                            <p:cond delay="0"/>
-                                          </p:stCondLst>
-                                        </p:cTn>
-                                        <p:tgtEl>
-                                          <p:spTgt spid="2">
-                                            <p:txEl>
-                                              <p:pRg st="5" end="5"/>
-                                            </p:txEl>
-                                          </p:spTgt>
-                                        </p:tgtEl>
-                                        <p:attrNameLst>
-                                          <p:attrName>style.visibility</p:attrName>
-                                        </p:attrNameLst>
-                                      </p:cBhvr>
-                                      <p:to>
-                                        <p:strVal val="visible"/>
-                                      </p:to>
-                                    </p:set>
-                                    <p:animEffect transition="in" filter="fade">
-                                      <p:cBhvr>
-                                        <p:cTn id="17" dur="500"/>
-                                        <p:tgtEl>
-                                          <p:spTgt spid="2">
-                                            <p:txEl>
-                                              <p:pRg st="5" end="5"/>
-                                            </p:txEl>
-                                          </p:spTgt>
-                                        </p:tgtEl>
-                                      </p:cBhvr>
-                                    </p:animEffect>
-                                  </p:childTnLst>
-                                </p:cTn>
-                              </p:par>
-                            </p:childTnLst>
-                          </p:cTn>
-                        </p:par>
-                      </p:childTnLst>
-                    </p:cTn>
-                  </p:par>
-                </p:childTnLst>
-              </p:cTn>
-              <p:prevCondLst>
-                <p:cond evt="onPrev" delay="0">
-                  <p:tgtEl>
-                    <p:sldTgt/>
-                  </p:tgtEl>
-                </p:cond>
-              </p:prevCondLst>
-              <p:nextCondLst>
-                <p:cond evt="onNext" delay="0">
-                  <p:tgtEl>
-                    <p:sldTgt/>
-                  </p:tgtEl>
-                </p:cond>
-              </p:nextCondLst>
-            </p:seq>
-          </p:childTnLst>
-        </p:cTn>
-      </p:par>
-    </p:tnLst>
-    <p:bldLst>
-      <p:bldP spid="2" grpId="0" build="p"/>
-    </p:bldLst>
-  </p:timing>
-</p:sld>
-</file>
-
-<file path=ppt/slides/slide20.xml><?xml version="1.0" encoding="utf-8"?>
+<file path=ppt/slides/slide21.xml><?xml version="1.0" encoding="utf-8"?>
 <p:sld xmlns:a="http://schemas.openxmlformats.org/drawingml/2006/main" xmlns:r="http://schemas.openxmlformats.org/officeDocument/2006/relationships" xmlns:p="http://schemas.openxmlformats.org/presentationml/2006/main">
   <p:cSld>
     <p:spTree>
@@ -14815,7 +14951,7 @@
 </p:sld>
 </file>
 
-<file path=ppt/slides/slide21.xml><?xml version="1.0" encoding="utf-8"?>
+<file path=ppt/slides/slide22.xml><?xml version="1.0" encoding="utf-8"?>
 <p:sld xmlns:a="http://schemas.openxmlformats.org/drawingml/2006/main" xmlns:r="http://schemas.openxmlformats.org/officeDocument/2006/relationships" xmlns:p="http://schemas.openxmlformats.org/presentationml/2006/main">
   <p:cSld>
     <p:spTree>
@@ -15177,7 +15313,7 @@
 </p:sld>
 </file>
 
-<file path=ppt/slides/slide22.xml><?xml version="1.0" encoding="utf-8"?>
+<file path=ppt/slides/slide23.xml><?xml version="1.0" encoding="utf-8"?>
 <p:sld xmlns:a="http://schemas.openxmlformats.org/drawingml/2006/main" xmlns:r="http://schemas.openxmlformats.org/officeDocument/2006/relationships" xmlns:p="http://schemas.openxmlformats.org/presentationml/2006/main">
   <p:cSld>
     <p:spTree>
@@ -16053,7 +16189,7 @@
 </p:sld>
 </file>
 
-<file path=ppt/slides/slide23.xml><?xml version="1.0" encoding="utf-8"?>
+<file path=ppt/slides/slide24.xml><?xml version="1.0" encoding="utf-8"?>
 <p:sld xmlns:a="http://schemas.openxmlformats.org/drawingml/2006/main" xmlns:r="http://schemas.openxmlformats.org/officeDocument/2006/relationships" xmlns:p="http://schemas.openxmlformats.org/presentationml/2006/main">
   <p:cSld>
     <p:spTree>
@@ -16453,7 +16589,7 @@
 </p:sld>
 </file>
 
-<file path=ppt/slides/slide24.xml><?xml version="1.0" encoding="utf-8"?>
+<file path=ppt/slides/slide25.xml><?xml version="1.0" encoding="utf-8"?>
 <p:sld xmlns:a="http://schemas.openxmlformats.org/drawingml/2006/main" xmlns:r="http://schemas.openxmlformats.org/officeDocument/2006/relationships" xmlns:p="http://schemas.openxmlformats.org/presentationml/2006/main">
   <p:cSld>
     <p:spTree>
@@ -17499,7 +17635,7 @@
 </p:sld>
 </file>
 
-<file path=ppt/slides/slide25.xml><?xml version="1.0" encoding="utf-8"?>
+<file path=ppt/slides/slide26.xml><?xml version="1.0" encoding="utf-8"?>
 <p:sld xmlns:a="http://schemas.openxmlformats.org/drawingml/2006/main" xmlns:r="http://schemas.openxmlformats.org/officeDocument/2006/relationships" xmlns:p="http://schemas.openxmlformats.org/presentationml/2006/main">
   <p:cSld>
     <p:spTree>
@@ -17859,7 +17995,7 @@
 </p:sld>
 </file>
 
-<file path=ppt/slides/slide26.xml><?xml version="1.0" encoding="utf-8"?>
+<file path=ppt/slides/slide27.xml><?xml version="1.0" encoding="utf-8"?>
 <p:sld xmlns:a="http://schemas.openxmlformats.org/drawingml/2006/main" xmlns:r="http://schemas.openxmlformats.org/officeDocument/2006/relationships" xmlns:p="http://schemas.openxmlformats.org/presentationml/2006/main">
   <p:cSld>
     <p:spTree>
@@ -18514,7 +18650,7 @@
 </p:sld>
 </file>
 
-<file path=ppt/slides/slide27.xml><?xml version="1.0" encoding="utf-8"?>
+<file path=ppt/slides/slide28.xml><?xml version="1.0" encoding="utf-8"?>
 <p:sld xmlns:a="http://schemas.openxmlformats.org/drawingml/2006/main" xmlns:r="http://schemas.openxmlformats.org/officeDocument/2006/relationships" xmlns:p="http://schemas.openxmlformats.org/presentationml/2006/main">
   <p:cSld>
     <p:spTree>
@@ -18992,322 +19128,6 @@
     <p:extLst>
       <p:ext uri="{BB962C8B-B14F-4D97-AF65-F5344CB8AC3E}">
         <p14:creationId xmlns:p14="http://schemas.microsoft.com/office/powerpoint/2010/main" val="1337821697"/>
-      </p:ext>
-    </p:extLst>
-  </p:cSld>
-  <p:clrMapOvr>
-    <a:masterClrMapping/>
-  </p:clrMapOvr>
-</p:sld>
-</file>
-
-<file path=ppt/slides/slide28.xml><?xml version="1.0" encoding="utf-8"?>
-<p:sld xmlns:a="http://schemas.openxmlformats.org/drawingml/2006/main" xmlns:r="http://schemas.openxmlformats.org/officeDocument/2006/relationships" xmlns:p="http://schemas.openxmlformats.org/presentationml/2006/main">
-  <p:cSld>
-    <p:spTree>
-      <p:nvGrpSpPr>
-        <p:cNvPr id="1" name=""/>
-        <p:cNvGrpSpPr/>
-        <p:nvPr/>
-      </p:nvGrpSpPr>
-      <p:grpSpPr>
-        <a:xfrm>
-          <a:off x="0" y="0"/>
-          <a:ext cx="0" cy="0"/>
-          <a:chOff x="0" y="0"/>
-          <a:chExt cx="0" cy="0"/>
-        </a:xfrm>
-      </p:grpSpPr>
-      <p:sp>
-        <p:nvSpPr>
-          <p:cNvPr id="4" name="Footer Placeholder 3">
-            <a:extLst>
-              <a:ext uri="{FF2B5EF4-FFF2-40B4-BE49-F238E27FC236}">
-                <a16:creationId xmlns:a16="http://schemas.microsoft.com/office/drawing/2014/main" id="{268784AC-CBE3-4D90-86A9-29B7010FEAAC}"/>
-              </a:ext>
-            </a:extLst>
-          </p:cNvPr>
-          <p:cNvSpPr>
-            <a:spLocks noGrp="1"/>
-          </p:cNvSpPr>
-          <p:nvPr>
-            <p:ph type="ftr" sz="quarter" idx="11"/>
-          </p:nvPr>
-        </p:nvSpPr>
-        <p:spPr/>
-        <p:txBody>
-          <a:bodyPr/>
-          <a:lstStyle/>
-          <a:p>
-            <a:pPr>
-              <a:defRPr/>
-            </a:pPr>
-            <a:r>
-              <a:rPr lang="es-ES" dirty="0"/>
-              <a:t>Yuying Xie</a:t>
-            </a:r>
-            <a:endParaRPr lang="en-US" dirty="0"/>
-          </a:p>
-        </p:txBody>
-      </p:sp>
-      <p:sp>
-        <p:nvSpPr>
-          <p:cNvPr id="5" name="Title 1">
-            <a:extLst>
-              <a:ext uri="{FF2B5EF4-FFF2-40B4-BE49-F238E27FC236}">
-                <a16:creationId xmlns:a16="http://schemas.microsoft.com/office/drawing/2014/main" id="{A07B4E21-E2F7-4D3A-B701-98F769AE9D23}"/>
-              </a:ext>
-            </a:extLst>
-          </p:cNvPr>
-          <p:cNvSpPr txBox="1">
-            <a:spLocks/>
-          </p:cNvSpPr>
-          <p:nvPr/>
-        </p:nvSpPr>
-        <p:spPr>
-          <a:xfrm>
-            <a:off x="196166" y="-89109"/>
-            <a:ext cx="6477000" cy="990600"/>
-          </a:xfrm>
-          <a:prstGeom prst="rect">
-            <a:avLst/>
-          </a:prstGeom>
-        </p:spPr>
-        <p:txBody>
-          <a:bodyPr>
-            <a:normAutofit/>
-          </a:bodyPr>
-          <a:lstStyle>
-            <a:lvl1pPr algn="l" defTabSz="457200" rtl="0" eaLnBrk="1" fontAlgn="base" hangingPunct="1">
-              <a:spcBef>
-                <a:spcPct val="0"/>
-              </a:spcBef>
-              <a:spcAft>
-                <a:spcPct val="0"/>
-              </a:spcAft>
-              <a:defRPr sz="3600" b="0" i="0" kern="1200" baseline="0">
-                <a:solidFill>
-                  <a:srgbClr val="18453B"/>
-                </a:solidFill>
-                <a:latin typeface="Gotham-Bold"/>
-                <a:ea typeface="ＭＳ Ｐゴシック" charset="-128"/>
-                <a:cs typeface="Gotham-Bold"/>
-              </a:defRPr>
-            </a:lvl1pPr>
-            <a:lvl2pPr algn="ctr" defTabSz="457200" rtl="0" eaLnBrk="1" fontAlgn="base" hangingPunct="1">
-              <a:spcBef>
-                <a:spcPct val="0"/>
-              </a:spcBef>
-              <a:spcAft>
-                <a:spcPct val="0"/>
-              </a:spcAft>
-              <a:defRPr sz="4400">
-                <a:solidFill>
-                  <a:schemeClr val="tx1"/>
-                </a:solidFill>
-                <a:latin typeface="Gotham Book" charset="0"/>
-                <a:ea typeface="ＭＳ Ｐゴシック" charset="-128"/>
-                <a:cs typeface="ＭＳ Ｐゴシック" charset="-128"/>
-              </a:defRPr>
-            </a:lvl2pPr>
-            <a:lvl3pPr algn="ctr" defTabSz="457200" rtl="0" eaLnBrk="1" fontAlgn="base" hangingPunct="1">
-              <a:spcBef>
-                <a:spcPct val="0"/>
-              </a:spcBef>
-              <a:spcAft>
-                <a:spcPct val="0"/>
-              </a:spcAft>
-              <a:defRPr sz="4400">
-                <a:solidFill>
-                  <a:schemeClr val="tx1"/>
-                </a:solidFill>
-                <a:latin typeface="Gotham Book" charset="0"/>
-                <a:ea typeface="ＭＳ Ｐゴシック" charset="-128"/>
-                <a:cs typeface="ＭＳ Ｐゴシック" charset="-128"/>
-              </a:defRPr>
-            </a:lvl3pPr>
-            <a:lvl4pPr algn="ctr" defTabSz="457200" rtl="0" eaLnBrk="1" fontAlgn="base" hangingPunct="1">
-              <a:spcBef>
-                <a:spcPct val="0"/>
-              </a:spcBef>
-              <a:spcAft>
-                <a:spcPct val="0"/>
-              </a:spcAft>
-              <a:defRPr sz="4400">
-                <a:solidFill>
-                  <a:schemeClr val="tx1"/>
-                </a:solidFill>
-                <a:latin typeface="Gotham Book" charset="0"/>
-                <a:ea typeface="ＭＳ Ｐゴシック" charset="-128"/>
-                <a:cs typeface="ＭＳ Ｐゴシック" charset="-128"/>
-              </a:defRPr>
-            </a:lvl4pPr>
-            <a:lvl5pPr algn="ctr" defTabSz="457200" rtl="0" eaLnBrk="1" fontAlgn="base" hangingPunct="1">
-              <a:spcBef>
-                <a:spcPct val="0"/>
-              </a:spcBef>
-              <a:spcAft>
-                <a:spcPct val="0"/>
-              </a:spcAft>
-              <a:defRPr sz="4400">
-                <a:solidFill>
-                  <a:schemeClr val="tx1"/>
-                </a:solidFill>
-                <a:latin typeface="Gotham Book" charset="0"/>
-                <a:ea typeface="ＭＳ Ｐゴシック" charset="-128"/>
-                <a:cs typeface="ＭＳ Ｐゴシック" charset="-128"/>
-              </a:defRPr>
-            </a:lvl5pPr>
-            <a:lvl6pPr marL="457200" algn="ctr" defTabSz="457200" rtl="0" eaLnBrk="1" fontAlgn="base" hangingPunct="1">
-              <a:spcBef>
-                <a:spcPct val="0"/>
-              </a:spcBef>
-              <a:spcAft>
-                <a:spcPct val="0"/>
-              </a:spcAft>
-              <a:defRPr sz="4400">
-                <a:solidFill>
-                  <a:schemeClr val="tx1"/>
-                </a:solidFill>
-                <a:latin typeface="Gotham Book" charset="0"/>
-                <a:ea typeface="ＭＳ Ｐゴシック" charset="-128"/>
-                <a:cs typeface="ＭＳ Ｐゴシック" charset="-128"/>
-              </a:defRPr>
-            </a:lvl6pPr>
-            <a:lvl7pPr marL="914400" algn="ctr" defTabSz="457200" rtl="0" eaLnBrk="1" fontAlgn="base" hangingPunct="1">
-              <a:spcBef>
-                <a:spcPct val="0"/>
-              </a:spcBef>
-              <a:spcAft>
-                <a:spcPct val="0"/>
-              </a:spcAft>
-              <a:defRPr sz="4400">
-                <a:solidFill>
-                  <a:schemeClr val="tx1"/>
-                </a:solidFill>
-                <a:latin typeface="Gotham Book" charset="0"/>
-                <a:ea typeface="ＭＳ Ｐゴシック" charset="-128"/>
-                <a:cs typeface="ＭＳ Ｐゴシック" charset="-128"/>
-              </a:defRPr>
-            </a:lvl7pPr>
-            <a:lvl8pPr marL="1371600" algn="ctr" defTabSz="457200" rtl="0" eaLnBrk="1" fontAlgn="base" hangingPunct="1">
-              <a:spcBef>
-                <a:spcPct val="0"/>
-              </a:spcBef>
-              <a:spcAft>
-                <a:spcPct val="0"/>
-              </a:spcAft>
-              <a:defRPr sz="4400">
-                <a:solidFill>
-                  <a:schemeClr val="tx1"/>
-                </a:solidFill>
-                <a:latin typeface="Gotham Book" charset="0"/>
-                <a:ea typeface="ＭＳ Ｐゴシック" charset="-128"/>
-                <a:cs typeface="ＭＳ Ｐゴシック" charset="-128"/>
-              </a:defRPr>
-            </a:lvl8pPr>
-            <a:lvl9pPr marL="1828800" algn="ctr" defTabSz="457200" rtl="0" eaLnBrk="1" fontAlgn="base" hangingPunct="1">
-              <a:spcBef>
-                <a:spcPct val="0"/>
-              </a:spcBef>
-              <a:spcAft>
-                <a:spcPct val="0"/>
-              </a:spcAft>
-              <a:defRPr sz="4400">
-                <a:solidFill>
-                  <a:schemeClr val="tx1"/>
-                </a:solidFill>
-                <a:latin typeface="Gotham Book" charset="0"/>
-                <a:ea typeface="ＭＳ Ｐゴシック" charset="-128"/>
-                <a:cs typeface="ＭＳ Ｐゴシック" charset="-128"/>
-              </a:defRPr>
-            </a:lvl9pPr>
-          </a:lstStyle>
-          <a:p>
-            <a:r>
-              <a:rPr lang="en-US" altLang="zh-CN" sz="3500" dirty="0">
-                <a:solidFill>
-                  <a:schemeClr val="bg1"/>
-                </a:solidFill>
-              </a:rPr>
-              <a:t>Estimation and Prediction</a:t>
-            </a:r>
-            <a:endParaRPr lang="en-US" sz="3500" dirty="0">
-              <a:solidFill>
-                <a:schemeClr val="bg1"/>
-              </a:solidFill>
-            </a:endParaRPr>
-          </a:p>
-        </p:txBody>
-      </p:sp>
-      <p:sp>
-        <p:nvSpPr>
-          <p:cNvPr id="14" name="Content Placeholder 2">
-            <a:extLst>
-              <a:ext uri="{FF2B5EF4-FFF2-40B4-BE49-F238E27FC236}">
-                <a16:creationId xmlns:a16="http://schemas.microsoft.com/office/drawing/2014/main" id="{D2BC2843-AE11-440A-8398-98ADA32D4AA8}"/>
-              </a:ext>
-            </a:extLst>
-          </p:cNvPr>
-          <p:cNvSpPr>
-            <a:spLocks noGrp="1"/>
-          </p:cNvSpPr>
-          <p:nvPr>
-            <p:ph idx="1"/>
-          </p:nvPr>
-        </p:nvSpPr>
-        <p:spPr>
-          <a:xfrm>
-            <a:off x="0" y="796949"/>
-            <a:ext cx="8433582" cy="4111111"/>
-          </a:xfrm>
-        </p:spPr>
-        <p:txBody>
-          <a:bodyPr/>
-          <a:lstStyle/>
-          <a:p>
-            <a:pPr lvl="1" indent="-342900"/>
-            <a:r>
-              <a:rPr lang="en-US" sz="2000" dirty="0">
-                <a:solidFill>
-                  <a:srgbClr val="064339"/>
-                </a:solidFill>
-              </a:rPr>
-              <a:t>Linear algebra to derive it </a:t>
-            </a:r>
-          </a:p>
-          <a:p>
-            <a:pPr lvl="1" indent="-342900"/>
-            <a:endParaRPr lang="en-US" sz="2000" dirty="0">
-              <a:solidFill>
-                <a:srgbClr val="064339"/>
-              </a:solidFill>
-            </a:endParaRPr>
-          </a:p>
-          <a:p>
-            <a:pPr lvl="1" indent="-342900"/>
-            <a:endParaRPr lang="en-US" dirty="0">
-              <a:solidFill>
-                <a:srgbClr val="0070C0"/>
-              </a:solidFill>
-            </a:endParaRPr>
-          </a:p>
-          <a:p>
-            <a:pPr marL="400050" lvl="1" indent="0">
-              <a:buNone/>
-            </a:pPr>
-            <a:endParaRPr lang="en-US" dirty="0">
-              <a:solidFill>
-                <a:srgbClr val="064339"/>
-              </a:solidFill>
-            </a:endParaRPr>
-          </a:p>
-        </p:txBody>
-      </p:sp>
-    </p:spTree>
-    <p:extLst>
-      <p:ext uri="{BB962C8B-B14F-4D97-AF65-F5344CB8AC3E}">
-        <p14:creationId xmlns:p14="http://schemas.microsoft.com/office/powerpoint/2010/main" val="3118247136"/>
       </p:ext>
     </p:extLst>
   </p:cSld>
